--- a/UBMAIT_ASME_Hackathon.pptx
+++ b/UBMAIT_ASME_Hackathon.pptx
@@ -18,8 +18,9 @@
     <p:sldId id="260" r:id="rId12"/>
     <p:sldId id="279" r:id="rId13"/>
     <p:sldId id="261" r:id="rId14"/>
-    <p:sldId id="274" r:id="rId15"/>
-    <p:sldId id="263" r:id="rId16"/>
+    <p:sldId id="280" r:id="rId15"/>
+    <p:sldId id="274" r:id="rId16"/>
+    <p:sldId id="281" r:id="rId17"/>
   </p:sldIdLst>
   <p:sldSz cx="12192000" cy="6858000"/>
   <p:notesSz cx="6858000" cy="9144000"/>
@@ -129,8 +130,8 @@
 <file path=ppt/revisionInfo.xml><?xml version="1.0" encoding="utf-8"?>
 <p1510:revInfo xmlns:a="http://schemas.openxmlformats.org/drawingml/2006/main" xmlns:r="http://schemas.openxmlformats.org/officeDocument/2006/relationships" xmlns:p1510="http://schemas.microsoft.com/office/powerpoint/2015/10/main">
   <p1510:revLst>
-    <p1510:client id="{6F2AB2CD-F138-49F0-AF74-A28FE2E16120}" v="676" dt="2020-08-16T21:24:53.977"/>
-    <p1510:client id="{F4C69E59-8EDD-4641-87B3-EE283D36CCBE}" v="24" dt="2020-08-16T21:24:06.056"/>
+    <p1510:client id="{6F2AB2CD-F138-49F0-AF74-A28FE2E16120}" v="1052" dt="2020-08-16T22:06:51.647"/>
+    <p1510:client id="{F4C69E59-8EDD-4641-87B3-EE283D36CCBE}" v="670" dt="2020-08-16T22:02:02.457"/>
   </p1510:revLst>
 </p1510:revInfo>
 </file>
@@ -139,8 +140,8 @@
 <pc:chgInfo xmlns:a="http://schemas.openxmlformats.org/drawingml/2006/main" xmlns:r="http://schemas.openxmlformats.org/officeDocument/2006/relationships" xmlns:ac="http://schemas.microsoft.com/office/drawing/2013/main/command" xmlns:pc="http://schemas.microsoft.com/office/powerpoint/2013/main/command">
   <pc:docChgLst>
     <pc:chgData clId="Web-{6F2AB2CD-F138-49F0-AF74-A28FE2E16120}"/>
-    <pc:docChg chg="delSld modSld">
-      <pc:chgData name="" userId="" providerId="" clId="Web-{6F2AB2CD-F138-49F0-AF74-A28FE2E16120}" dt="2020-08-16T21:24:53.977" v="674"/>
+    <pc:docChg chg="addSld delSld modSld sldOrd">
+      <pc:chgData name="" userId="" providerId="" clId="Web-{6F2AB2CD-F138-49F0-AF74-A28FE2E16120}" dt="2020-08-16T22:06:51.647" v="1049"/>
       <pc:docMkLst>
         <pc:docMk/>
       </pc:docMkLst>
@@ -183,6 +184,44 @@
           </ac:picMkLst>
         </pc:picChg>
       </pc:sldChg>
+      <pc:sldChg chg="addSp delSp modSp ord">
+        <pc:chgData name="" userId="" providerId="" clId="Web-{6F2AB2CD-F138-49F0-AF74-A28FE2E16120}" dt="2020-08-16T22:06:51.647" v="1049"/>
+        <pc:sldMkLst>
+          <pc:docMk/>
+          <pc:sldMk cId="3620610259" sldId="261"/>
+        </pc:sldMkLst>
+        <pc:spChg chg="mod">
+          <ac:chgData name="" userId="" providerId="" clId="Web-{6F2AB2CD-F138-49F0-AF74-A28FE2E16120}" dt="2020-08-16T21:43:14.894" v="683" actId="20577"/>
+          <ac:spMkLst>
+            <pc:docMk/>
+            <pc:sldMk cId="3620610259" sldId="261"/>
+            <ac:spMk id="5" creationId="{29CB39AB-E220-5144-9287-1CCBF1F454BE}"/>
+          </ac:spMkLst>
+        </pc:spChg>
+        <pc:graphicFrameChg chg="add del mod">
+          <ac:chgData name="" userId="" providerId="" clId="Web-{6F2AB2CD-F138-49F0-AF74-A28FE2E16120}" dt="2020-08-16T22:02:25.498" v="711"/>
+          <ac:graphicFrameMkLst>
+            <pc:docMk/>
+            <pc:sldMk cId="3620610259" sldId="261"/>
+            <ac:graphicFrameMk id="2" creationId="{FD4B19F4-7259-47F9-8853-64463709A06A}"/>
+          </ac:graphicFrameMkLst>
+        </pc:graphicFrameChg>
+        <pc:graphicFrameChg chg="add mod modGraphic">
+          <ac:chgData name="" userId="" providerId="" clId="Web-{6F2AB2CD-F138-49F0-AF74-A28FE2E16120}" dt="2020-08-16T22:06:51.647" v="1049"/>
+          <ac:graphicFrameMkLst>
+            <pc:docMk/>
+            <pc:sldMk cId="3620610259" sldId="261"/>
+            <ac:graphicFrameMk id="3" creationId="{0887AFF8-F18E-40FE-AD14-A929FD050B4A}"/>
+          </ac:graphicFrameMkLst>
+        </pc:graphicFrameChg>
+      </pc:sldChg>
+      <pc:sldChg chg="del">
+        <pc:chgData name="" userId="" providerId="" clId="Web-{6F2AB2CD-F138-49F0-AF74-A28FE2E16120}" dt="2020-08-16T21:28:44.682" v="678"/>
+        <pc:sldMkLst>
+          <pc:docMk/>
+          <pc:sldMk cId="3526042095" sldId="263"/>
+        </pc:sldMkLst>
+      </pc:sldChg>
       <pc:sldChg chg="modSp">
         <pc:chgData name="" userId="" providerId="" clId="Web-{6F2AB2CD-F138-49F0-AF74-A28FE2E16120}" dt="2020-08-16T21:20:35.035" v="251" actId="20577"/>
         <pc:sldMkLst>
@@ -206,6 +245,21 @@
           </ac:spMkLst>
         </pc:spChg>
       </pc:sldChg>
+      <pc:sldChg chg="modSp add replId">
+        <pc:chgData name="" userId="" providerId="" clId="Web-{6F2AB2CD-F138-49F0-AF74-A28FE2E16120}" dt="2020-08-16T21:43:29.051" v="705" actId="20577"/>
+        <pc:sldMkLst>
+          <pc:docMk/>
+          <pc:sldMk cId="2230496924" sldId="280"/>
+        </pc:sldMkLst>
+        <pc:spChg chg="mod">
+          <ac:chgData name="" userId="" providerId="" clId="Web-{6F2AB2CD-F138-49F0-AF74-A28FE2E16120}" dt="2020-08-16T21:43:29.051" v="705" actId="20577"/>
+          <ac:spMkLst>
+            <pc:docMk/>
+            <pc:sldMk cId="2230496924" sldId="280"/>
+            <ac:spMk id="4" creationId="{BF626BA3-B54D-024F-9F0F-DFC207882607}"/>
+          </ac:spMkLst>
+        </pc:spChg>
+      </pc:sldChg>
       <pc:sldChg chg="del">
         <pc:chgData name="" userId="" providerId="" clId="Web-{6F2AB2CD-F138-49F0-AF74-A28FE2E16120}" dt="2020-08-16T21:24:40.632" v="673"/>
         <pc:sldMkLst>
@@ -224,19 +278,72 @@
   </pc:docChgLst>
   <pc:docChgLst>
     <pc:chgData clId="Web-{F4C69E59-8EDD-4641-87B3-EE283D36CCBE}"/>
-    <pc:docChg chg="modSld">
-      <pc:chgData name="" userId="" providerId="" clId="Web-{F4C69E59-8EDD-4641-87B3-EE283D36CCBE}" dt="2020-08-16T21:24:06.056" v="23" actId="1076"/>
+    <pc:docChg chg="addSld modSld">
+      <pc:chgData name="" userId="" providerId="" clId="Web-{F4C69E59-8EDD-4641-87B3-EE283D36CCBE}" dt="2020-08-16T22:02:02.144" v="659" actId="20577"/>
       <pc:docMkLst>
         <pc:docMk/>
       </pc:docMkLst>
+      <pc:sldChg chg="addSp modSp">
+        <pc:chgData name="" userId="" providerId="" clId="Web-{F4C69E59-8EDD-4641-87B3-EE283D36CCBE}" dt="2020-08-16T22:01:00.624" v="646" actId="20577"/>
+        <pc:sldMkLst>
+          <pc:docMk/>
+          <pc:sldMk cId="1580523621" sldId="259"/>
+        </pc:sldMkLst>
+        <pc:spChg chg="add mod">
+          <ac:chgData name="" userId="" providerId="" clId="Web-{F4C69E59-8EDD-4641-87B3-EE283D36CCBE}" dt="2020-08-16T22:01:00.624" v="646" actId="20577"/>
+          <ac:spMkLst>
+            <pc:docMk/>
+            <pc:sldMk cId="1580523621" sldId="259"/>
+            <ac:spMk id="2" creationId="{251E9A52-174B-4544-9031-CE43F8BC1491}"/>
+          </ac:spMkLst>
+        </pc:spChg>
+        <pc:spChg chg="mod">
+          <ac:chgData name="" userId="" providerId="" clId="Web-{F4C69E59-8EDD-4641-87B3-EE283D36CCBE}" dt="2020-08-16T21:38:17.430" v="175" actId="14100"/>
+          <ac:spMkLst>
+            <pc:docMk/>
+            <pc:sldMk cId="1580523621" sldId="259"/>
+            <ac:spMk id="5" creationId="{29CB39AB-E220-5144-9287-1CCBF1F454BE}"/>
+          </ac:spMkLst>
+        </pc:spChg>
+      </pc:sldChg>
+      <pc:sldChg chg="modSp">
+        <pc:chgData name="" userId="" providerId="" clId="Web-{F4C69E59-8EDD-4641-87B3-EE283D36CCBE}" dt="2020-08-16T21:36:47.408" v="152" actId="20577"/>
+        <pc:sldMkLst>
+          <pc:docMk/>
+          <pc:sldMk cId="455744336" sldId="260"/>
+        </pc:sldMkLst>
+        <pc:spChg chg="mod">
+          <ac:chgData name="" userId="" providerId="" clId="Web-{F4C69E59-8EDD-4641-87B3-EE283D36CCBE}" dt="2020-08-16T21:36:47.408" v="152" actId="20577"/>
+          <ac:spMkLst>
+            <pc:docMk/>
+            <pc:sldMk cId="455744336" sldId="260"/>
+            <ac:spMk id="5" creationId="{29CB39AB-E220-5144-9287-1CCBF1F454BE}"/>
+          </ac:spMkLst>
+        </pc:spChg>
+      </pc:sldChg>
+      <pc:sldChg chg="modSp">
+        <pc:chgData name="" userId="" providerId="" clId="Web-{F4C69E59-8EDD-4641-87B3-EE283D36CCBE}" dt="2020-08-16T21:45:17.620" v="208" actId="20577"/>
+        <pc:sldMkLst>
+          <pc:docMk/>
+          <pc:sldMk cId="3620610259" sldId="261"/>
+        </pc:sldMkLst>
+        <pc:spChg chg="mod">
+          <ac:chgData name="" userId="" providerId="" clId="Web-{F4C69E59-8EDD-4641-87B3-EE283D36CCBE}" dt="2020-08-16T21:45:17.620" v="208" actId="20577"/>
+          <ac:spMkLst>
+            <pc:docMk/>
+            <pc:sldMk cId="3620610259" sldId="261"/>
+            <ac:spMk id="5" creationId="{29CB39AB-E220-5144-9287-1CCBF1F454BE}"/>
+          </ac:spMkLst>
+        </pc:spChg>
+      </pc:sldChg>
       <pc:sldChg chg="addSp delSp modSp">
-        <pc:chgData name="" userId="" providerId="" clId="Web-{F4C69E59-8EDD-4641-87B3-EE283D36CCBE}" dt="2020-08-16T21:24:06.056" v="23" actId="1076"/>
+        <pc:chgData name="" userId="" providerId="" clId="Web-{F4C69E59-8EDD-4641-87B3-EE283D36CCBE}" dt="2020-08-16T21:49:38.795" v="332" actId="20577"/>
         <pc:sldMkLst>
           <pc:docMk/>
           <pc:sldMk cId="1710194873" sldId="264"/>
         </pc:sldMkLst>
         <pc:spChg chg="add mod">
-          <ac:chgData name="" userId="" providerId="" clId="Web-{F4C69E59-8EDD-4641-87B3-EE283D36CCBE}" dt="2020-08-16T21:24:06.056" v="23" actId="1076"/>
+          <ac:chgData name="" userId="" providerId="" clId="Web-{F4C69E59-8EDD-4641-87B3-EE283D36CCBE}" dt="2020-08-16T21:49:38.795" v="332" actId="20577"/>
           <ac:spMkLst>
             <pc:docMk/>
             <pc:sldMk cId="1710194873" sldId="264"/>
@@ -257,6 +364,83 @@
             <pc:docMk/>
             <pc:sldMk cId="1710194873" sldId="264"/>
             <ac:spMk id="11" creationId="{00000000-0000-0000-0000-000000000000}"/>
+          </ac:spMkLst>
+        </pc:spChg>
+      </pc:sldChg>
+      <pc:sldChg chg="addSp modSp">
+        <pc:chgData name="" userId="" providerId="" clId="Web-{F4C69E59-8EDD-4641-87B3-EE283D36CCBE}" dt="2020-08-16T21:57:32.016" v="525" actId="1076"/>
+        <pc:sldMkLst>
+          <pc:docMk/>
+          <pc:sldMk cId="1248430764" sldId="277"/>
+        </pc:sldMkLst>
+        <pc:spChg chg="mod">
+          <ac:chgData name="" userId="" providerId="" clId="Web-{F4C69E59-8EDD-4641-87B3-EE283D36CCBE}" dt="2020-08-16T21:38:01.632" v="172" actId="20577"/>
+          <ac:spMkLst>
+            <pc:docMk/>
+            <pc:sldMk cId="1248430764" sldId="277"/>
+            <ac:spMk id="5" creationId="{29CB39AB-E220-5144-9287-1CCBF1F454BE}"/>
+          </ac:spMkLst>
+        </pc:spChg>
+        <pc:spChg chg="add mod">
+          <ac:chgData name="" userId="" providerId="" clId="Web-{F4C69E59-8EDD-4641-87B3-EE283D36CCBE}" dt="2020-08-16T21:57:32.016" v="525" actId="1076"/>
+          <ac:spMkLst>
+            <pc:docMk/>
+            <pc:sldMk cId="1248430764" sldId="277"/>
+            <ac:spMk id="16" creationId="{4AB0F788-D250-476F-AC81-F5C030F1B5B1}"/>
+          </ac:spMkLst>
+        </pc:spChg>
+      </pc:sldChg>
+      <pc:sldChg chg="addSp modSp">
+        <pc:chgData name="" userId="" providerId="" clId="Web-{F4C69E59-8EDD-4641-87B3-EE283D36CCBE}" dt="2020-08-16T22:01:59.426" v="657" actId="20577"/>
+        <pc:sldMkLst>
+          <pc:docMk/>
+          <pc:sldMk cId="1522706111" sldId="278"/>
+        </pc:sldMkLst>
+        <pc:spChg chg="add mod">
+          <ac:chgData name="" userId="" providerId="" clId="Web-{F4C69E59-8EDD-4641-87B3-EE283D36CCBE}" dt="2020-08-16T22:01:59.426" v="657" actId="20577"/>
+          <ac:spMkLst>
+            <pc:docMk/>
+            <pc:sldMk cId="1522706111" sldId="278"/>
+            <ac:spMk id="2" creationId="{D7502FE4-D45C-4ECA-B417-A8F961341034}"/>
+          </ac:spMkLst>
+        </pc:spChg>
+        <pc:spChg chg="mod">
+          <ac:chgData name="" userId="" providerId="" clId="Web-{F4C69E59-8EDD-4641-87B3-EE283D36CCBE}" dt="2020-08-16T21:38:31.743" v="176" actId="20577"/>
+          <ac:spMkLst>
+            <pc:docMk/>
+            <pc:sldMk cId="1522706111" sldId="278"/>
+            <ac:spMk id="6" creationId="{54A1E7A7-21FA-48F3-B6DD-C4C4BD40CB29}"/>
+          </ac:spMkLst>
+        </pc:spChg>
+        <pc:picChg chg="mod">
+          <ac:chgData name="" userId="" providerId="" clId="Web-{F4C69E59-8EDD-4641-87B3-EE283D36CCBE}" dt="2020-08-16T21:51:34.834" v="346" actId="1076"/>
+          <ac:picMkLst>
+            <pc:docMk/>
+            <pc:sldMk cId="1522706111" sldId="278"/>
+            <ac:picMk id="3" creationId="{E6A5B004-4FB1-4551-B269-769ABD2DA8B3}"/>
+          </ac:picMkLst>
+        </pc:picChg>
+      </pc:sldChg>
+      <pc:sldChg chg="addSp modSp add replId">
+        <pc:chgData name="" userId="" providerId="" clId="Web-{F4C69E59-8EDD-4641-87B3-EE283D36CCBE}" dt="2020-08-16T21:59:47.994" v="635" actId="20577"/>
+        <pc:sldMkLst>
+          <pc:docMk/>
+          <pc:sldMk cId="3397233917" sldId="281"/>
+        </pc:sldMkLst>
+        <pc:spChg chg="add mod">
+          <ac:chgData name="" userId="" providerId="" clId="Web-{F4C69E59-8EDD-4641-87B3-EE283D36CCBE}" dt="2020-08-16T21:59:47.994" v="635" actId="20577"/>
+          <ac:spMkLst>
+            <pc:docMk/>
+            <pc:sldMk cId="3397233917" sldId="281"/>
+            <ac:spMk id="2" creationId="{4208DE15-D5FD-43FE-9DE7-AC38E904F735}"/>
+          </ac:spMkLst>
+        </pc:spChg>
+        <pc:spChg chg="mod">
+          <ac:chgData name="" userId="" providerId="" clId="Web-{F4C69E59-8EDD-4641-87B3-EE283D36CCBE}" dt="2020-08-16T21:46:04.748" v="217" actId="1076"/>
+          <ac:spMkLst>
+            <pc:docMk/>
+            <pc:sldMk cId="3397233917" sldId="281"/>
+            <ac:spMk id="4" creationId="{BF626BA3-B54D-024F-9F0F-DFC207882607}"/>
           </ac:spMkLst>
         </pc:spChg>
       </pc:sldChg>
@@ -8740,19 +8924,16 @@
           <a:lstStyle/>
           <a:p>
             <a:r>
-              <a:rPr lang="en-US" dirty="0">
-                <a:latin typeface="Palatino Linotype" panose="02040502050505030304" pitchFamily="18" charset="0"/>
+              <a:rPr lang="en-US" sz="2400" dirty="0">
+                <a:latin typeface="Palatino Linotype"/>
               </a:rPr>
               <a:t>Training performance</a:t>
             </a:r>
-            <a:endParaRPr lang="en-US" sz="2800" dirty="0">
-              <a:latin typeface="Palatino Linotype" panose="02040502050505030304" pitchFamily="18" charset="0"/>
-            </a:endParaRPr>
           </a:p>
           <a:p>
             <a:pPr lvl="1"/>
             <a:r>
-              <a:rPr lang="en-US" dirty="0">
+              <a:rPr lang="en-US" sz="2000" dirty="0">
                 <a:latin typeface="Palatino Linotype"/>
               </a:rPr>
               <a:t>Samples were run for 10,000 epochs</a:t>
@@ -8761,7 +8942,7 @@
           <a:p>
             <a:pPr lvl="1"/>
             <a:r>
-              <a:rPr lang="en-US" dirty="0">
+              <a:rPr lang="en-US" sz="2000" dirty="0">
                 <a:latin typeface="Palatino Linotype"/>
               </a:rPr>
               <a:t>The mean squared error was still seemingly high due to limited number of samples</a:t>
@@ -8770,7 +8951,7 @@
           <a:p>
             <a:pPr lvl="2"/>
             <a:r>
-              <a:rPr lang="en-US" dirty="0">
+              <a:rPr lang="en-US" sz="1800" dirty="0">
                 <a:latin typeface="Palatino Linotype"/>
               </a:rPr>
               <a:t>This is still much better than assuming average values</a:t>
@@ -8779,7 +8960,7 @@
           <a:p>
             <a:pPr lvl="1"/>
             <a:r>
-              <a:rPr lang="en-US" dirty="0">
+              <a:rPr lang="en-US" sz="2000" dirty="0">
                 <a:latin typeface="Palatino Linotype"/>
               </a:rPr>
               <a:t>Dataset was actually sparse</a:t>
@@ -8787,13 +8968,13 @@
           </a:p>
           <a:p>
             <a:pPr lvl="1"/>
-            <a:endParaRPr lang="en-US" dirty="0">
+            <a:endParaRPr lang="en-US" sz="2000" dirty="0">
               <a:latin typeface="Palatino Linotype"/>
             </a:endParaRPr>
           </a:p>
           <a:p>
             <a:pPr lvl="1"/>
-            <a:endParaRPr lang="en-US" dirty="0"/>
+            <a:endParaRPr lang="en-US" sz="2000" dirty="0"/>
           </a:p>
         </p:txBody>
       </p:sp>
@@ -9190,26 +9371,696 @@
           </a:xfrm>
         </p:spPr>
         <p:txBody>
-          <a:bodyPr/>
+          <a:bodyPr vert="horz" lIns="91440" tIns="45720" rIns="91440" bIns="45720" rtlCol="0" anchor="t">
+            <a:normAutofit/>
+          </a:bodyPr>
           <a:lstStyle/>
           <a:p>
-            <a:r>
-              <a:rPr lang="en-US" dirty="0">
-                <a:latin typeface="Palatino Linotype" panose="02040502050505030304" pitchFamily="18" charset="0"/>
-              </a:rPr>
-              <a:t>How your approach/model/simulation helps address the challenges and solve the problem?</a:t>
-            </a:r>
+            <a:endParaRPr lang="en-US" dirty="0">
+              <a:latin typeface="Palatino Linotype"/>
+            </a:endParaRPr>
           </a:p>
           <a:p>
             <a:pPr lvl="1"/>
             <a:endParaRPr lang="en-US" dirty="0"/>
           </a:p>
-          <a:p>
-            <a:pPr lvl="1"/>
-            <a:endParaRPr lang="en-US" dirty="0"/>
-          </a:p>
         </p:txBody>
       </p:sp>
+      <p:graphicFrame>
+        <p:nvGraphicFramePr>
+          <p:cNvPr id="3" name="Table 5">
+            <a:extLst>
+              <a:ext uri="{FF2B5EF4-FFF2-40B4-BE49-F238E27FC236}">
+                <a16:creationId xmlns:a16="http://schemas.microsoft.com/office/drawing/2014/main" id="{0887AFF8-F18E-40FE-AD14-A929FD050B4A}"/>
+              </a:ext>
+            </a:extLst>
+          </p:cNvPr>
+          <p:cNvGraphicFramePr>
+            <a:graphicFrameLocks noGrp="1"/>
+          </p:cNvGraphicFramePr>
+          <p:nvPr>
+            <p:extLst>
+              <p:ext uri="{D42A27DB-BD31-4B8C-83A1-F6EECF244321}">
+                <p14:modId xmlns:p14="http://schemas.microsoft.com/office/powerpoint/2010/main" val="3873280376"/>
+              </p:ext>
+            </p:extLst>
+          </p:nvPr>
+        </p:nvGraphicFramePr>
+        <p:xfrm>
+          <a:off x="1217221" y="2929246"/>
+          <a:ext cx="9882144" cy="2225039"/>
+        </p:xfrm>
+        <a:graphic>
+          <a:graphicData uri="http://schemas.openxmlformats.org/drawingml/2006/table">
+            <a:tbl>
+              <a:tblPr firstRow="1" bandRow="1">
+                <a:tableStyleId>{5940675A-B579-460E-94D1-54222C63F5DA}</a:tableStyleId>
+              </a:tblPr>
+              <a:tblGrid>
+                <a:gridCol w="1647024">
+                  <a:extLst>
+                    <a:ext uri="{9D8B030D-6E8A-4147-A177-3AD203B41FA5}">
+                      <a16:colId xmlns:a16="http://schemas.microsoft.com/office/drawing/2014/main" val="1666783221"/>
+                    </a:ext>
+                  </a:extLst>
+                </a:gridCol>
+                <a:gridCol w="1647024">
+                  <a:extLst>
+                    <a:ext uri="{9D8B030D-6E8A-4147-A177-3AD203B41FA5}">
+                      <a16:colId xmlns:a16="http://schemas.microsoft.com/office/drawing/2014/main" val="3707025820"/>
+                    </a:ext>
+                  </a:extLst>
+                </a:gridCol>
+                <a:gridCol w="1647024">
+                  <a:extLst>
+                    <a:ext uri="{9D8B030D-6E8A-4147-A177-3AD203B41FA5}">
+                      <a16:colId xmlns:a16="http://schemas.microsoft.com/office/drawing/2014/main" val="1521431386"/>
+                    </a:ext>
+                  </a:extLst>
+                </a:gridCol>
+                <a:gridCol w="1647024">
+                  <a:extLst>
+                    <a:ext uri="{9D8B030D-6E8A-4147-A177-3AD203B41FA5}">
+                      <a16:colId xmlns:a16="http://schemas.microsoft.com/office/drawing/2014/main" val="276012184"/>
+                    </a:ext>
+                  </a:extLst>
+                </a:gridCol>
+                <a:gridCol w="1647024">
+                  <a:extLst>
+                    <a:ext uri="{9D8B030D-6E8A-4147-A177-3AD203B41FA5}">
+                      <a16:colId xmlns:a16="http://schemas.microsoft.com/office/drawing/2014/main" val="847835956"/>
+                    </a:ext>
+                  </a:extLst>
+                </a:gridCol>
+                <a:gridCol w="1647024">
+                  <a:extLst>
+                    <a:ext uri="{9D8B030D-6E8A-4147-A177-3AD203B41FA5}">
+                      <a16:colId xmlns:a16="http://schemas.microsoft.com/office/drawing/2014/main" val="1481246910"/>
+                    </a:ext>
+                  </a:extLst>
+                </a:gridCol>
+              </a:tblGrid>
+              <a:tr h="370840">
+                <a:tc>
+                  <a:txBody>
+                    <a:bodyPr/>
+                    <a:lstStyle/>
+                    <a:p>
+                      <a:pPr algn="ctr"/>
+                      <a:endParaRPr lang="en-US" b="1" dirty="0"/>
+                    </a:p>
+                  </a:txBody>
+                  <a:tcPr/>
+                </a:tc>
+                <a:tc>
+                  <a:txBody>
+                    <a:bodyPr/>
+                    <a:lstStyle/>
+                    <a:p>
+                      <a:pPr algn="ctr"/>
+                      <a:r>
+                        <a:rPr lang="en-US" b="1"/>
+                        <a:t>Bridgeport 1</a:t>
+                      </a:r>
+                      <a:endParaRPr lang="en-US" b="1" dirty="0"/>
+                    </a:p>
+                  </a:txBody>
+                  <a:tcPr/>
+                </a:tc>
+                <a:tc>
+                  <a:txBody>
+                    <a:bodyPr/>
+                    <a:lstStyle/>
+                    <a:p>
+                      <a:pPr lvl="0" algn="ctr">
+                        <a:buNone/>
+                      </a:pPr>
+                      <a:r>
+                        <a:rPr lang="en-US" sz="1800" b="1" i="0" u="none" strike="noStrike" noProof="0">
+                          <a:latin typeface="Calibri"/>
+                        </a:rPr>
+                        <a:t>Bridgeport 1</a:t>
+                      </a:r>
+                      <a:endParaRPr lang="en-US" b="1" dirty="0"/>
+                    </a:p>
+                  </a:txBody>
+                  <a:tcPr/>
+                </a:tc>
+                <a:tc>
+                  <a:txBody>
+                    <a:bodyPr/>
+                    <a:lstStyle/>
+                    <a:p>
+                      <a:pPr lvl="0" algn="ctr">
+                        <a:buNone/>
+                      </a:pPr>
+                      <a:r>
+                        <a:rPr lang="en-US" sz="1800" b="1" i="0" u="none" strike="noStrike" noProof="0">
+                          <a:latin typeface="Calibri"/>
+                        </a:rPr>
+                        <a:t>Bridgeport 1</a:t>
+                      </a:r>
+                      <a:endParaRPr lang="en-US" b="1" dirty="0"/>
+                    </a:p>
+                  </a:txBody>
+                  <a:tcPr/>
+                </a:tc>
+                <a:tc>
+                  <a:txBody>
+                    <a:bodyPr/>
+                    <a:lstStyle/>
+                    <a:p>
+                      <a:pPr algn="ctr"/>
+                      <a:r>
+                        <a:rPr lang="en-US" b="1"/>
+                        <a:t>Drill Press</a:t>
+                      </a:r>
+                      <a:endParaRPr lang="en-US" b="1" dirty="0"/>
+                    </a:p>
+                  </a:txBody>
+                  <a:tcPr/>
+                </a:tc>
+                <a:tc>
+                  <a:txBody>
+                    <a:bodyPr/>
+                    <a:lstStyle/>
+                    <a:p>
+                      <a:pPr algn="ctr"/>
+                      <a:r>
+                        <a:rPr lang="en-US" b="1"/>
+                        <a:t>Lathe</a:t>
+                      </a:r>
+                      <a:endParaRPr lang="en-US" b="1" dirty="0"/>
+                    </a:p>
+                  </a:txBody>
+                  <a:tcPr/>
+                </a:tc>
+                <a:extLst>
+                  <a:ext uri="{0D108BD9-81ED-4DB2-BD59-A6C34878D82A}">
+                    <a16:rowId xmlns:a16="http://schemas.microsoft.com/office/drawing/2014/main" val="3744948871"/>
+                  </a:ext>
+                </a:extLst>
+              </a:tr>
+              <a:tr h="370840">
+                <a:tc>
+                  <a:txBody>
+                    <a:bodyPr/>
+                    <a:lstStyle/>
+                    <a:p>
+                      <a:pPr algn="ctr"/>
+                      <a:r>
+                        <a:rPr lang="en-US" b="1"/>
+                        <a:t>Total Samples</a:t>
+                      </a:r>
+                      <a:endParaRPr lang="en-US" b="1" dirty="0"/>
+                    </a:p>
+                  </a:txBody>
+                  <a:tcPr/>
+                </a:tc>
+                <a:tc>
+                  <a:txBody>
+                    <a:bodyPr/>
+                    <a:lstStyle/>
+                    <a:p>
+                      <a:pPr algn="ctr"/>
+                      <a:r>
+                        <a:rPr lang="en-US" b="1"/>
+                        <a:t>2008</a:t>
+                      </a:r>
+                      <a:endParaRPr lang="en-US" b="1" dirty="0"/>
+                    </a:p>
+                  </a:txBody>
+                  <a:tcPr/>
+                </a:tc>
+                <a:tc>
+                  <a:txBody>
+                    <a:bodyPr/>
+                    <a:lstStyle/>
+                    <a:p>
+                      <a:pPr algn="ctr"/>
+                      <a:r>
+                        <a:rPr lang="en-US" b="1"/>
+                        <a:t>2008</a:t>
+                      </a:r>
+                      <a:endParaRPr lang="en-US" b="1" dirty="0"/>
+                    </a:p>
+                  </a:txBody>
+                  <a:tcPr/>
+                </a:tc>
+                <a:tc>
+                  <a:txBody>
+                    <a:bodyPr/>
+                    <a:lstStyle/>
+                    <a:p>
+                      <a:pPr algn="ctr"/>
+                      <a:r>
+                        <a:rPr lang="en-US" b="1"/>
+                        <a:t>2001</a:t>
+                      </a:r>
+                      <a:endParaRPr lang="en-US" b="1" dirty="0"/>
+                    </a:p>
+                  </a:txBody>
+                  <a:tcPr/>
+                </a:tc>
+                <a:tc>
+                  <a:txBody>
+                    <a:bodyPr/>
+                    <a:lstStyle/>
+                    <a:p>
+                      <a:pPr algn="ctr"/>
+                      <a:r>
+                        <a:rPr lang="en-US" b="1"/>
+                        <a:t>2006</a:t>
+                      </a:r>
+                      <a:endParaRPr lang="en-US" b="1" dirty="0"/>
+                    </a:p>
+                  </a:txBody>
+                  <a:tcPr/>
+                </a:tc>
+                <a:tc>
+                  <a:txBody>
+                    <a:bodyPr/>
+                    <a:lstStyle/>
+                    <a:p>
+                      <a:pPr algn="ctr"/>
+                      <a:r>
+                        <a:rPr lang="en-US" b="1"/>
+                        <a:t>1993</a:t>
+                      </a:r>
+                      <a:endParaRPr lang="en-US" b="1" dirty="0"/>
+                    </a:p>
+                  </a:txBody>
+                  <a:tcPr/>
+                </a:tc>
+                <a:extLst>
+                  <a:ext uri="{0D108BD9-81ED-4DB2-BD59-A6C34878D82A}">
+                    <a16:rowId xmlns:a16="http://schemas.microsoft.com/office/drawing/2014/main" val="1443642945"/>
+                  </a:ext>
+                </a:extLst>
+              </a:tr>
+              <a:tr h="370840">
+                <a:tc>
+                  <a:txBody>
+                    <a:bodyPr/>
+                    <a:lstStyle/>
+                    <a:p>
+                      <a:pPr algn="ctr"/>
+                      <a:r>
+                        <a:rPr lang="en-US" sz="1700" b="1"/>
+                        <a:t>Correct Samples</a:t>
+                      </a:r>
+                    </a:p>
+                  </a:txBody>
+                  <a:tcPr/>
+                </a:tc>
+                <a:tc>
+                  <a:txBody>
+                    <a:bodyPr/>
+                    <a:lstStyle/>
+                    <a:p>
+                      <a:pPr algn="ctr"/>
+                      <a:r>
+                        <a:rPr lang="en-US" b="1"/>
+                        <a:t>2010</a:t>
+                      </a:r>
+                      <a:endParaRPr lang="en-US" b="1" dirty="0"/>
+                    </a:p>
+                  </a:txBody>
+                  <a:tcPr/>
+                </a:tc>
+                <a:tc>
+                  <a:txBody>
+                    <a:bodyPr/>
+                    <a:lstStyle/>
+                    <a:p>
+                      <a:pPr algn="ctr"/>
+                      <a:r>
+                        <a:rPr lang="en-US" b="1"/>
+                        <a:t>2008</a:t>
+                      </a:r>
+                      <a:endParaRPr lang="en-US" b="1" dirty="0"/>
+                    </a:p>
+                  </a:txBody>
+                  <a:tcPr/>
+                </a:tc>
+                <a:tc>
+                  <a:txBody>
+                    <a:bodyPr/>
+                    <a:lstStyle/>
+                    <a:p>
+                      <a:pPr algn="ctr"/>
+                      <a:r>
+                        <a:rPr lang="en-US" b="1"/>
+                        <a:t>2001</a:t>
+                      </a:r>
+                      <a:endParaRPr lang="en-US" b="1" dirty="0"/>
+                    </a:p>
+                  </a:txBody>
+                  <a:tcPr/>
+                </a:tc>
+                <a:tc>
+                  <a:txBody>
+                    <a:bodyPr/>
+                    <a:lstStyle/>
+                    <a:p>
+                      <a:pPr algn="ctr"/>
+                      <a:r>
+                        <a:rPr lang="en-US" b="1"/>
+                        <a:t>2007</a:t>
+                      </a:r>
+                      <a:endParaRPr lang="en-US" b="1" dirty="0"/>
+                    </a:p>
+                  </a:txBody>
+                  <a:tcPr/>
+                </a:tc>
+                <a:tc>
+                  <a:txBody>
+                    <a:bodyPr/>
+                    <a:lstStyle/>
+                    <a:p>
+                      <a:pPr algn="ctr"/>
+                      <a:r>
+                        <a:rPr lang="en-US" b="1"/>
+                        <a:t>1998</a:t>
+                      </a:r>
+                      <a:endParaRPr lang="en-US" b="1" dirty="0"/>
+                    </a:p>
+                  </a:txBody>
+                  <a:tcPr/>
+                </a:tc>
+                <a:extLst>
+                  <a:ext uri="{0D108BD9-81ED-4DB2-BD59-A6C34878D82A}">
+                    <a16:rowId xmlns:a16="http://schemas.microsoft.com/office/drawing/2014/main" val="192616916"/>
+                  </a:ext>
+                </a:extLst>
+              </a:tr>
+              <a:tr h="370840">
+                <a:tc>
+                  <a:txBody>
+                    <a:bodyPr/>
+                    <a:lstStyle/>
+                    <a:p>
+                      <a:pPr algn="ctr"/>
+                      <a:r>
+                        <a:rPr lang="en-US" b="1"/>
+                        <a:t>Number "on"</a:t>
+                      </a:r>
+                      <a:endParaRPr lang="en-US" b="1" dirty="0"/>
+                    </a:p>
+                  </a:txBody>
+                  <a:tcPr/>
+                </a:tc>
+                <a:tc>
+                  <a:txBody>
+                    <a:bodyPr/>
+                    <a:lstStyle/>
+                    <a:p>
+                      <a:pPr algn="ctr"/>
+                      <a:r>
+                        <a:rPr lang="en-US" b="1"/>
+                        <a:t>30</a:t>
+                      </a:r>
+                      <a:endParaRPr lang="en-US" b="1" dirty="0"/>
+                    </a:p>
+                  </a:txBody>
+                  <a:tcPr/>
+                </a:tc>
+                <a:tc>
+                  <a:txBody>
+                    <a:bodyPr/>
+                    <a:lstStyle/>
+                    <a:p>
+                      <a:pPr algn="ctr"/>
+                      <a:r>
+                        <a:rPr lang="en-US" b="1"/>
+                        <a:t>64</a:t>
+                      </a:r>
+                      <a:endParaRPr lang="en-US" b="1" dirty="0"/>
+                    </a:p>
+                  </a:txBody>
+                  <a:tcPr/>
+                </a:tc>
+                <a:tc>
+                  <a:txBody>
+                    <a:bodyPr/>
+                    <a:lstStyle/>
+                    <a:p>
+                      <a:pPr algn="ctr"/>
+                      <a:r>
+                        <a:rPr lang="en-US" b="1"/>
+                        <a:t>22</a:t>
+                      </a:r>
+                      <a:endParaRPr lang="en-US" b="1" dirty="0"/>
+                    </a:p>
+                  </a:txBody>
+                  <a:tcPr/>
+                </a:tc>
+                <a:tc>
+                  <a:txBody>
+                    <a:bodyPr/>
+                    <a:lstStyle/>
+                    <a:p>
+                      <a:pPr algn="ctr"/>
+                      <a:r>
+                        <a:rPr lang="en-US" b="1"/>
+                        <a:t>6</a:t>
+                      </a:r>
+                      <a:endParaRPr lang="en-US" b="1" dirty="0"/>
+                    </a:p>
+                  </a:txBody>
+                  <a:tcPr/>
+                </a:tc>
+                <a:tc>
+                  <a:txBody>
+                    <a:bodyPr/>
+                    <a:lstStyle/>
+                    <a:p>
+                      <a:pPr algn="ctr"/>
+                      <a:r>
+                        <a:rPr lang="en-US" b="1"/>
+                        <a:t>120</a:t>
+                      </a:r>
+                      <a:endParaRPr lang="en-US" b="1" dirty="0"/>
+                    </a:p>
+                  </a:txBody>
+                  <a:tcPr/>
+                </a:tc>
+                <a:extLst>
+                  <a:ext uri="{0D108BD9-81ED-4DB2-BD59-A6C34878D82A}">
+                    <a16:rowId xmlns:a16="http://schemas.microsoft.com/office/drawing/2014/main" val="523634806"/>
+                  </a:ext>
+                </a:extLst>
+              </a:tr>
+              <a:tr h="370840">
+                <a:tc>
+                  <a:txBody>
+                    <a:bodyPr/>
+                    <a:lstStyle/>
+                    <a:p>
+                      <a:pPr algn="ctr"/>
+                      <a:r>
+                        <a:rPr lang="en-US" b="1"/>
+                        <a:t>Misclass "on"</a:t>
+                      </a:r>
+                      <a:endParaRPr lang="en-US" b="1" dirty="0"/>
+                    </a:p>
+                  </a:txBody>
+                  <a:tcPr/>
+                </a:tc>
+                <a:tc>
+                  <a:txBody>
+                    <a:bodyPr/>
+                    <a:lstStyle/>
+                    <a:p>
+                      <a:pPr algn="ctr"/>
+                      <a:r>
+                        <a:rPr lang="en-US" b="1"/>
+                        <a:t>2</a:t>
+                      </a:r>
+                      <a:endParaRPr lang="en-US" b="1" dirty="0"/>
+                    </a:p>
+                  </a:txBody>
+                  <a:tcPr/>
+                </a:tc>
+                <a:tc>
+                  <a:txBody>
+                    <a:bodyPr/>
+                    <a:lstStyle/>
+                    <a:p>
+                      <a:pPr algn="ctr"/>
+                      <a:r>
+                        <a:rPr lang="en-US" b="1"/>
+                        <a:t>0</a:t>
+                      </a:r>
+                      <a:endParaRPr lang="en-US" b="1" dirty="0"/>
+                    </a:p>
+                  </a:txBody>
+                  <a:tcPr/>
+                </a:tc>
+                <a:tc>
+                  <a:txBody>
+                    <a:bodyPr/>
+                    <a:lstStyle/>
+                    <a:p>
+                      <a:pPr algn="ctr"/>
+                      <a:r>
+                        <a:rPr lang="en-US" b="1"/>
+                        <a:t>0</a:t>
+                      </a:r>
+                      <a:endParaRPr lang="en-US" b="1" dirty="0"/>
+                    </a:p>
+                  </a:txBody>
+                  <a:tcPr/>
+                </a:tc>
+                <a:tc>
+                  <a:txBody>
+                    <a:bodyPr/>
+                    <a:lstStyle/>
+                    <a:p>
+                      <a:pPr algn="ctr"/>
+                      <a:r>
+                        <a:rPr lang="en-US" b="1"/>
+                        <a:t>1</a:t>
+                      </a:r>
+                      <a:endParaRPr lang="en-US" b="1" dirty="0"/>
+                    </a:p>
+                  </a:txBody>
+                  <a:tcPr/>
+                </a:tc>
+                <a:tc>
+                  <a:txBody>
+                    <a:bodyPr/>
+                    <a:lstStyle/>
+                    <a:p>
+                      <a:pPr algn="ctr"/>
+                      <a:r>
+                        <a:rPr lang="en-US" b="1"/>
+                        <a:t>3</a:t>
+                      </a:r>
+                      <a:endParaRPr lang="en-US" b="1" dirty="0"/>
+                    </a:p>
+                  </a:txBody>
+                  <a:tcPr/>
+                </a:tc>
+                <a:extLst>
+                  <a:ext uri="{0D108BD9-81ED-4DB2-BD59-A6C34878D82A}">
+                    <a16:rowId xmlns:a16="http://schemas.microsoft.com/office/drawing/2014/main" val="3520253850"/>
+                  </a:ext>
+                </a:extLst>
+              </a:tr>
+              <a:tr h="370839">
+                <a:tc>
+                  <a:txBody>
+                    <a:bodyPr/>
+                    <a:lstStyle/>
+                    <a:p>
+                      <a:pPr lvl="0" algn="ctr">
+                        <a:buNone/>
+                      </a:pPr>
+                      <a:r>
+                        <a:rPr lang="en-US" b="1"/>
+                        <a:t>Misclass "off"</a:t>
+                      </a:r>
+                      <a:endParaRPr lang="en-US" b="1" dirty="0"/>
+                    </a:p>
+                  </a:txBody>
+                  <a:tcPr/>
+                </a:tc>
+                <a:tc>
+                  <a:txBody>
+                    <a:bodyPr/>
+                    <a:lstStyle/>
+                    <a:p>
+                      <a:pPr lvl="0" algn="ctr">
+                        <a:buNone/>
+                      </a:pPr>
+                      <a:r>
+                        <a:rPr lang="en-US" b="1"/>
+                        <a:t>0</a:t>
+                      </a:r>
+                      <a:endParaRPr lang="en-US" b="1" dirty="0"/>
+                    </a:p>
+                  </a:txBody>
+                  <a:tcPr/>
+                </a:tc>
+                <a:tc>
+                  <a:txBody>
+                    <a:bodyPr/>
+                    <a:lstStyle/>
+                    <a:p>
+                      <a:pPr lvl="0" algn="ctr">
+                        <a:buNone/>
+                      </a:pPr>
+                      <a:r>
+                        <a:rPr lang="en-US" b="1"/>
+                        <a:t>0</a:t>
+                      </a:r>
+                      <a:endParaRPr lang="en-US" b="1" dirty="0"/>
+                    </a:p>
+                  </a:txBody>
+                  <a:tcPr/>
+                </a:tc>
+                <a:tc>
+                  <a:txBody>
+                    <a:bodyPr/>
+                    <a:lstStyle/>
+                    <a:p>
+                      <a:pPr lvl="0" algn="ctr">
+                        <a:buNone/>
+                      </a:pPr>
+                      <a:r>
+                        <a:rPr lang="en-US" b="1"/>
+                        <a:t>0</a:t>
+                      </a:r>
+                      <a:endParaRPr lang="en-US" b="1" dirty="0"/>
+                    </a:p>
+                  </a:txBody>
+                  <a:tcPr/>
+                </a:tc>
+                <a:tc>
+                  <a:txBody>
+                    <a:bodyPr/>
+                    <a:lstStyle/>
+                    <a:p>
+                      <a:pPr lvl="0" algn="ctr">
+                        <a:buNone/>
+                      </a:pPr>
+                      <a:r>
+                        <a:rPr lang="en-US" b="1"/>
+                        <a:t>0</a:t>
+                      </a:r>
+                      <a:endParaRPr lang="en-US" b="1" dirty="0"/>
+                    </a:p>
+                  </a:txBody>
+                  <a:tcPr/>
+                </a:tc>
+                <a:tc>
+                  <a:txBody>
+                    <a:bodyPr/>
+                    <a:lstStyle/>
+                    <a:p>
+                      <a:pPr lvl="0" algn="ctr">
+                        <a:buNone/>
+                      </a:pPr>
+                      <a:r>
+                        <a:rPr lang="en-US" b="1"/>
+                        <a:t>3</a:t>
+                      </a:r>
+                      <a:endParaRPr lang="en-US" b="1" dirty="0"/>
+                    </a:p>
+                  </a:txBody>
+                  <a:tcPr/>
+                </a:tc>
+                <a:extLst>
+                  <a:ext uri="{0D108BD9-81ED-4DB2-BD59-A6C34878D82A}">
+                    <a16:rowId xmlns:a16="http://schemas.microsoft.com/office/drawing/2014/main" val="1749786155"/>
+                  </a:ext>
+                </a:extLst>
+              </a:tr>
+            </a:tbl>
+          </a:graphicData>
+        </a:graphic>
+      </p:graphicFrame>
     </p:spTree>
     <p:extLst>
       <p:ext uri="{BB962C8B-B14F-4D97-AF65-F5344CB8AC3E}">
@@ -9258,29 +10109,154 @@
         </p:nvSpPr>
         <p:spPr>
           <a:xfrm>
-            <a:off x="4514996" y="3108785"/>
-            <a:ext cx="2462454" cy="842169"/>
+            <a:off x="66561" y="1337650"/>
+            <a:ext cx="10515600" cy="842169"/>
           </a:xfrm>
         </p:spPr>
         <p:txBody>
           <a:bodyPr>
-            <a:normAutofit fontScale="90000"/>
+            <a:normAutofit/>
           </a:bodyPr>
           <a:lstStyle/>
           <a:p>
             <a:r>
               <a:rPr lang="en-US" sz="3600" dirty="0">
-                <a:latin typeface="Palatino Linotype" panose="02040502050505030304" pitchFamily="18" charset="0"/>
-              </a:rPr>
-              <a:t>SUMMARY</a:t>
-            </a:r>
+                <a:latin typeface="Palatino Linotype"/>
+              </a:rPr>
+              <a:t>Results – Classification</a:t>
+            </a:r>
+            <a:endParaRPr lang="en-US" sz="3600" baseline="30000" dirty="0">
+              <a:latin typeface="Palatino Linotype" panose="02040502050505030304" pitchFamily="18" charset="0"/>
+            </a:endParaRPr>
+          </a:p>
+        </p:txBody>
+      </p:sp>
+      <p:sp>
+        <p:nvSpPr>
+          <p:cNvPr id="5" name="Content Placeholder 4">
+            <a:extLst>
+              <a:ext uri="{FF2B5EF4-FFF2-40B4-BE49-F238E27FC236}">
+                <a16:creationId xmlns:a16="http://schemas.microsoft.com/office/drawing/2014/main" id="{29CB39AB-E220-5144-9287-1CCBF1F454BE}"/>
+              </a:ext>
+            </a:extLst>
+          </p:cNvPr>
+          <p:cNvSpPr>
+            <a:spLocks noGrp="1"/>
+          </p:cNvSpPr>
+          <p:nvPr>
+            <p:ph sz="half" idx="1"/>
+          </p:nvPr>
+        </p:nvSpPr>
+        <p:spPr>
+          <a:xfrm>
+            <a:off x="66561" y="2179819"/>
+            <a:ext cx="10515600" cy="3879437"/>
+          </a:xfrm>
+        </p:spPr>
+        <p:txBody>
+          <a:bodyPr vert="horz" lIns="91440" tIns="45720" rIns="91440" bIns="45720" rtlCol="0" anchor="t">
+            <a:normAutofit/>
+          </a:bodyPr>
+          <a:lstStyle/>
+          <a:p>
+            <a:pPr lvl="1"/>
+            <a:r>
+              <a:rPr lang="en-US" dirty="0">
+                <a:latin typeface="Proxima Nova"/>
+              </a:rPr>
+              <a:t>Bridgeport 1</a:t>
+            </a:r>
+          </a:p>
+          <a:p>
+            <a:pPr lvl="2"/>
+            <a:r>
+              <a:rPr lang="en-US" dirty="0">
+                <a:latin typeface="Proxima Nova"/>
+              </a:rPr>
+              <a:t>0.879 on reduced data, 0.932 on full dataset</a:t>
+            </a:r>
+          </a:p>
+          <a:p>
+            <a:pPr lvl="1"/>
+            <a:r>
+              <a:rPr lang="en-US" dirty="0">
+                <a:latin typeface="Proxima Nova"/>
+              </a:rPr>
+              <a:t>Bridgeport 2</a:t>
+            </a:r>
+          </a:p>
+          <a:p>
+            <a:pPr lvl="2"/>
+            <a:r>
+              <a:rPr lang="en-US" dirty="0">
+                <a:latin typeface="Proxima Nova"/>
+              </a:rPr>
+              <a:t>-1.493 on reduced data, 0.959 on full dataset</a:t>
+            </a:r>
+          </a:p>
+          <a:p>
+            <a:pPr lvl="1"/>
+            <a:r>
+              <a:rPr lang="en-US" dirty="0">
+                <a:latin typeface="Proxima Nova"/>
+              </a:rPr>
+              <a:t>Bridgeport 3</a:t>
+            </a:r>
+            <a:endParaRPr lang="en-US" dirty="0"/>
+          </a:p>
+          <a:p>
+            <a:pPr lvl="2"/>
+            <a:r>
+              <a:rPr lang="en-US" dirty="0">
+                <a:latin typeface="Proxima Nova"/>
+              </a:rPr>
+              <a:t>-35.75 on reduced data, 0.942 on full dataset</a:t>
+            </a:r>
+          </a:p>
+          <a:p>
+            <a:pPr lvl="1"/>
+            <a:r>
+              <a:rPr lang="en-US" dirty="0">
+                <a:latin typeface="Proxima Nova"/>
+              </a:rPr>
+              <a:t>Drill</a:t>
+            </a:r>
+          </a:p>
+          <a:p>
+            <a:pPr lvl="2"/>
+            <a:r>
+              <a:rPr lang="en-US" dirty="0">
+                <a:latin typeface="Proxima Nova"/>
+              </a:rPr>
+              <a:t>-7.194 on reduced data, 0.906 on full dataset</a:t>
+            </a:r>
+          </a:p>
+          <a:p>
+            <a:pPr lvl="1"/>
+            <a:r>
+              <a:rPr lang="en-US" dirty="0">
+                <a:latin typeface="Proxima Nova"/>
+              </a:rPr>
+              <a:t>Lathe</a:t>
+            </a:r>
+            <a:endParaRPr lang="en-US" dirty="0"/>
+          </a:p>
+          <a:p>
+            <a:pPr lvl="2"/>
+            <a:r>
+              <a:rPr lang="en-US" dirty="0">
+                <a:latin typeface="Proxima Nova"/>
+              </a:rPr>
+              <a:t>-2.647 on reduced data, 0.927 on full dataset</a:t>
+            </a:r>
+            <a:endParaRPr lang="en-US" dirty="0"/>
           </a:p>
         </p:txBody>
       </p:sp>
     </p:spTree>
     <p:extLst>
       <p:ext uri="{BB962C8B-B14F-4D97-AF65-F5344CB8AC3E}">
-        <p14:creationId xmlns:p14="http://schemas.microsoft.com/office/powerpoint/2010/main" val="201854641"/>
+        <p14:creationId xmlns:p14="http://schemas.microsoft.com/office/powerpoint/2010/main" val="2230496924"/>
       </p:ext>
     </p:extLst>
   </p:cSld>
@@ -9325,13 +10301,13 @@
         </p:nvSpPr>
         <p:spPr>
           <a:xfrm>
-            <a:off x="66561" y="1337650"/>
-            <a:ext cx="10515600" cy="842169"/>
+            <a:off x="4514996" y="3108785"/>
+            <a:ext cx="2462454" cy="842169"/>
           </a:xfrm>
         </p:spPr>
         <p:txBody>
           <a:bodyPr>
-            <a:normAutofit/>
+            <a:normAutofit fontScale="90000"/>
           </a:bodyPr>
           <a:lstStyle/>
           <a:p>
@@ -9339,17 +10315,47 @@
               <a:rPr lang="en-US" sz="3600" dirty="0">
                 <a:latin typeface="Palatino Linotype" panose="02040502050505030304" pitchFamily="18" charset="0"/>
               </a:rPr>
-              <a:t>Closure &amp; Insights</a:t>
+              <a:t>SUMMARY</a:t>
             </a:r>
           </a:p>
         </p:txBody>
       </p:sp>
+    </p:spTree>
+    <p:extLst>
+      <p:ext uri="{BB962C8B-B14F-4D97-AF65-F5344CB8AC3E}">
+        <p14:creationId xmlns:p14="http://schemas.microsoft.com/office/powerpoint/2010/main" val="201854641"/>
+      </p:ext>
+    </p:extLst>
+  </p:cSld>
+  <p:clrMapOvr>
+    <a:masterClrMapping/>
+  </p:clrMapOvr>
+</p:sld>
+</file>
+
+<file path=ppt/slides/slide16.xml><?xml version="1.0" encoding="utf-8"?>
+<p:sld xmlns:a="http://schemas.openxmlformats.org/drawingml/2006/main" xmlns:r="http://schemas.openxmlformats.org/officeDocument/2006/relationships" xmlns:p="http://schemas.openxmlformats.org/presentationml/2006/main">
+  <p:cSld>
+    <p:spTree>
+      <p:nvGrpSpPr>
+        <p:cNvPr id="1" name=""/>
+        <p:cNvGrpSpPr/>
+        <p:nvPr/>
+      </p:nvGrpSpPr>
+      <p:grpSpPr>
+        <a:xfrm>
+          <a:off x="0" y="0"/>
+          <a:ext cx="0" cy="0"/>
+          <a:chOff x="0" y="0"/>
+          <a:chExt cx="0" cy="0"/>
+        </a:xfrm>
+      </p:grpSpPr>
       <p:sp>
         <p:nvSpPr>
-          <p:cNvPr id="5" name="Content Placeholder 4">
+          <p:cNvPr id="4" name="Title 3">
             <a:extLst>
               <a:ext uri="{FF2B5EF4-FFF2-40B4-BE49-F238E27FC236}">
-                <a16:creationId xmlns:a16="http://schemas.microsoft.com/office/drawing/2014/main" id="{29CB39AB-E220-5144-9287-1CCBF1F454BE}"/>
+                <a16:creationId xmlns:a16="http://schemas.microsoft.com/office/drawing/2014/main" id="{BF626BA3-B54D-024F-9F0F-DFC207882607}"/>
               </a:ext>
             </a:extLst>
           </p:cNvPr>
@@ -9357,31 +10363,427 @@
             <a:spLocks noGrp="1"/>
           </p:cNvSpPr>
           <p:nvPr>
-            <p:ph sz="half" idx="1"/>
+            <p:ph type="title"/>
           </p:nvPr>
         </p:nvSpPr>
         <p:spPr>
           <a:xfrm>
-            <a:off x="66561" y="2287885"/>
-            <a:ext cx="10515600" cy="3879437"/>
+            <a:off x="402032" y="1401171"/>
+            <a:ext cx="2297202" cy="419858"/>
           </a:xfrm>
         </p:spPr>
         <p:txBody>
-          <a:bodyPr/>
+          <a:bodyPr>
+            <a:normAutofit fontScale="90000"/>
+          </a:bodyPr>
           <a:lstStyle/>
           <a:p>
+            <a:r>
+              <a:rPr lang="en-US" sz="3600">
+                <a:latin typeface="Palatino Linotype"/>
+              </a:rPr>
+              <a:t>References</a:t>
+            </a:r>
+            <a:endParaRPr lang="en-US"/>
+          </a:p>
+        </p:txBody>
+      </p:sp>
+      <p:sp>
+        <p:nvSpPr>
+          <p:cNvPr id="2" name="TextBox 1">
+            <a:extLst>
+              <a:ext uri="{FF2B5EF4-FFF2-40B4-BE49-F238E27FC236}">
+                <a16:creationId xmlns:a16="http://schemas.microsoft.com/office/drawing/2014/main" id="{4208DE15-D5FD-43FE-9DE7-AC38E904F735}"/>
+              </a:ext>
+            </a:extLst>
+          </p:cNvPr>
+          <p:cNvSpPr txBox="1"/>
+          <p:nvPr/>
+        </p:nvSpPr>
+        <p:spPr>
+          <a:xfrm>
+            <a:off x="400279" y="2006905"/>
+            <a:ext cx="11547511" cy="4031873"/>
+          </a:xfrm>
+          <a:prstGeom prst="rect">
+            <a:avLst/>
+          </a:prstGeom>
+          <a:noFill/>
+        </p:spPr>
+        <p:txBody>
+          <a:bodyPr rot="0" spcFirstLastPara="0" vertOverflow="overflow" horzOverflow="overflow" vert="horz" wrap="square" lIns="91440" tIns="45720" rIns="91440" bIns="45720" numCol="1" spcCol="0" rtlCol="0" fromWordArt="0" anchor="t" anchorCtr="0" forceAA="0" compatLnSpc="1">
+            <a:prstTxWarp prst="textNoShape">
+              <a:avLst/>
+            </a:prstTxWarp>
+            <a:spAutoFit/>
+          </a:bodyPr>
+          <a:lstStyle/>
+          <a:p>
+            <a:r>
+              <a:rPr lang="en-US" sz="1600" dirty="0">
+                <a:latin typeface="Palatino Linotype"/>
+                <a:ea typeface="+mn-lt"/>
+                <a:cs typeface="+mn-lt"/>
+              </a:rPr>
+              <a:t>1) Deep learning-based feature engineering for stock price movement prediction” Wen Long, </a:t>
+            </a:r>
+            <a:r>
+              <a:rPr lang="en-US" sz="1600" dirty="0" err="1">
+                <a:latin typeface="Palatino Linotype"/>
+                <a:ea typeface="+mn-lt"/>
+                <a:cs typeface="+mn-lt"/>
+              </a:rPr>
+              <a:t>Zhichen</a:t>
+            </a:r>
+            <a:r>
+              <a:rPr lang="en-US" sz="1600" dirty="0">
+                <a:latin typeface="Palatino Linotype"/>
+                <a:ea typeface="+mn-lt"/>
+                <a:cs typeface="+mn-lt"/>
+              </a:rPr>
+              <a:t> Lu, </a:t>
+            </a:r>
+            <a:r>
+              <a:rPr lang="en-US" sz="1600" dirty="0" err="1">
+                <a:latin typeface="Palatino Linotype"/>
+                <a:ea typeface="+mn-lt"/>
+                <a:cs typeface="+mn-lt"/>
+              </a:rPr>
+              <a:t>Lingxiao</a:t>
+            </a:r>
+            <a:r>
+              <a:rPr lang="en-US" sz="1600" dirty="0">
+                <a:latin typeface="Palatino Linotype"/>
+                <a:ea typeface="+mn-lt"/>
+                <a:cs typeface="+mn-lt"/>
+              </a:rPr>
+              <a:t> Cui.</a:t>
+            </a:r>
+          </a:p>
+          <a:p>
+            <a:r>
+              <a:rPr lang="en-US" sz="1600" dirty="0">
+                <a:latin typeface="Palatino Linotype"/>
+                <a:ea typeface="+mn-lt"/>
+                <a:cs typeface="+mn-lt"/>
+              </a:rPr>
+              <a:t>2) Integrating the Digital Twin of the manufacturing system into a decision support system for improving the order</a:t>
+            </a:r>
+          </a:p>
+          <a:p>
+            <a:r>
+              <a:rPr lang="en-US" sz="1600" dirty="0">
+                <a:latin typeface="Palatino Linotype"/>
+                <a:ea typeface="+mn-lt"/>
+                <a:cs typeface="+mn-lt"/>
+              </a:rPr>
+              <a:t>    management process, Kunath, M., &amp; Winkler, H.</a:t>
+            </a:r>
+            <a:endParaRPr lang="en-US">
+              <a:latin typeface="Palatino Linotype"/>
+            </a:endParaRPr>
+          </a:p>
+          <a:p>
+            <a:r>
+              <a:rPr lang="en-US" sz="1600" dirty="0">
+                <a:latin typeface="Palatino Linotype"/>
+                <a:cs typeface="Calibri"/>
+              </a:rPr>
+              <a:t>3) A. B. Geva, "</a:t>
+            </a:r>
+            <a:r>
+              <a:rPr lang="en-US" sz="1600" dirty="0" err="1">
+                <a:latin typeface="Palatino Linotype"/>
+                <a:cs typeface="Calibri"/>
+              </a:rPr>
+              <a:t>ScaleNet</a:t>
+            </a:r>
+            <a:r>
+              <a:rPr lang="en-US" sz="1600" dirty="0">
+                <a:latin typeface="Palatino Linotype"/>
+                <a:cs typeface="Calibri"/>
+              </a:rPr>
+              <a:t>-multiscale neural-network architecture for time series prediction," in </a:t>
+            </a:r>
+            <a:r>
+              <a:rPr lang="en-US" sz="1600" i="1" dirty="0">
+                <a:latin typeface="Palatino Linotype"/>
+                <a:cs typeface="Calibri"/>
+              </a:rPr>
+              <a:t>IEEE Transactions on Neural</a:t>
+            </a:r>
+            <a:endParaRPr lang="en-US">
+              <a:latin typeface="Palatino Linotype"/>
+              <a:cs typeface="Calibri"/>
+            </a:endParaRPr>
+          </a:p>
+          <a:p>
+            <a:r>
+              <a:rPr lang="en-US" sz="1600" i="1" dirty="0">
+                <a:latin typeface="Palatino Linotype"/>
+                <a:cs typeface="Calibri"/>
+              </a:rPr>
+              <a:t>    Networks</a:t>
+            </a:r>
+            <a:r>
+              <a:rPr lang="en-US" sz="1600" dirty="0">
+                <a:latin typeface="Palatino Linotype"/>
+                <a:cs typeface="Calibri"/>
+              </a:rPr>
+              <a:t>, vol. 9, no. 6, pp. 1471-1482, Nov. 1998, </a:t>
+            </a:r>
+            <a:r>
+              <a:rPr lang="en-US" sz="1600" err="1">
+                <a:latin typeface="Palatino Linotype"/>
+                <a:cs typeface="Calibri"/>
+              </a:rPr>
+              <a:t>doi</a:t>
+            </a:r>
+            <a:r>
+              <a:rPr lang="en-US" sz="1600" dirty="0">
+                <a:latin typeface="Palatino Linotype"/>
+                <a:cs typeface="Calibri"/>
+              </a:rPr>
+              <a:t>: 10.1109/72.728396.</a:t>
+            </a:r>
+          </a:p>
+          <a:p>
+            <a:r>
+              <a:rPr lang="en-US" sz="1600" dirty="0">
+                <a:latin typeface="Palatino Linotype"/>
+                <a:cs typeface="Calibri"/>
+              </a:rPr>
+              <a:t>4) He, Kai mi ng&amp; Zhang, Xi </a:t>
+            </a:r>
+            <a:r>
+              <a:rPr lang="en-US" sz="1600" err="1">
+                <a:latin typeface="Palatino Linotype"/>
+                <a:cs typeface="Calibri"/>
+              </a:rPr>
+              <a:t>angyu</a:t>
+            </a:r>
+            <a:r>
+              <a:rPr lang="en-US" sz="1600" dirty="0">
+                <a:latin typeface="Palatino Linotype"/>
+                <a:cs typeface="Calibri"/>
+              </a:rPr>
+              <a:t>&amp; Ren, Shaoqi ng&amp; Sun, Ji an. (2015). Deep Res </a:t>
+            </a:r>
+            <a:r>
+              <a:rPr lang="en-US" sz="1600" err="1">
+                <a:latin typeface="Palatino Linotype"/>
+                <a:cs typeface="Calibri"/>
+              </a:rPr>
+              <a:t>i</a:t>
+            </a:r>
+            <a:r>
+              <a:rPr lang="en-US" sz="1600" dirty="0">
+                <a:latin typeface="Palatino Linotype"/>
+                <a:cs typeface="Calibri"/>
+              </a:rPr>
+              <a:t> dual learning for image recognition.</a:t>
+            </a:r>
+            <a:endParaRPr lang="en-US" sz="1600">
+              <a:latin typeface="Palatino Linotype"/>
+              <a:ea typeface="+mn-lt"/>
+              <a:cs typeface="+mn-lt"/>
+            </a:endParaRPr>
+          </a:p>
+          <a:p>
+            <a:r>
+              <a:rPr lang="en-US" sz="1600" dirty="0">
+                <a:latin typeface="Palatino Linotype"/>
+                <a:cs typeface="Calibri"/>
+              </a:rPr>
+              <a:t>5) </a:t>
+            </a:r>
+            <a:r>
+              <a:rPr lang="en-US" sz="1600" err="1">
+                <a:latin typeface="Palatino Linotype"/>
+                <a:cs typeface="Calibri"/>
+              </a:rPr>
+              <a:t>Loffe</a:t>
+            </a:r>
+            <a:r>
+              <a:rPr lang="en-US" sz="1600" dirty="0">
+                <a:latin typeface="Palatino Linotype"/>
+                <a:cs typeface="Calibri"/>
+              </a:rPr>
+              <a:t>, Sergey &amp; Szegedy, Christian. (2015). Batch Normalization: Accelerating deep network training by reducing internal</a:t>
+            </a:r>
+          </a:p>
+          <a:p>
+            <a:r>
+              <a:rPr lang="en-US" sz="1600" dirty="0">
+                <a:latin typeface="Palatino Linotype"/>
+                <a:cs typeface="Calibri"/>
+              </a:rPr>
+              <a:t>    covariate</a:t>
+            </a:r>
             <a:endParaRPr lang="en-US" dirty="0"/>
           </a:p>
           <a:p>
-            <a:pPr lvl="1"/>
-            <a:endParaRPr lang="en-US" dirty="0"/>
+            <a:r>
+              <a:rPr lang="en-US" sz="1600" dirty="0">
+                <a:latin typeface="Palatino Linotype"/>
+                <a:cs typeface="Calibri"/>
+              </a:rPr>
+              <a:t>    shift.</a:t>
+            </a:r>
+            <a:r>
+              <a:rPr lang="en-US" sz="1600" dirty="0">
+                <a:latin typeface="Palatino Linotype"/>
+                <a:cs typeface="Calibri"/>
+                <a:hlinkClick r:id="rId2"/>
+              </a:rPr>
+              <a:t>5:51</a:t>
+            </a:r>
+            <a:endParaRPr lang="en-US" sz="1600">
+              <a:latin typeface="Palatino Linotype"/>
+              <a:ea typeface="+mn-lt"/>
+              <a:cs typeface="+mn-lt"/>
+            </a:endParaRPr>
+          </a:p>
+          <a:p>
+            <a:r>
+              <a:rPr lang="en-US" sz="1600" dirty="0">
+                <a:latin typeface="Palatino Linotype"/>
+                <a:cs typeface="Calibri"/>
+              </a:rPr>
+              <a:t>6) Srivastava, Nitish &amp; Hinton, Geoffrey &amp; </a:t>
+            </a:r>
+            <a:r>
+              <a:rPr lang="en-US" sz="1600" err="1">
+                <a:latin typeface="Palatino Linotype"/>
+                <a:cs typeface="Calibri"/>
+              </a:rPr>
+              <a:t>Krizhevsky</a:t>
+            </a:r>
+            <a:r>
+              <a:rPr lang="en-US" sz="1600" dirty="0">
+                <a:latin typeface="Palatino Linotype"/>
+                <a:cs typeface="Calibri"/>
+              </a:rPr>
+              <a:t>, Alex &amp; </a:t>
+            </a:r>
+            <a:r>
+              <a:rPr lang="en-US" sz="1600" err="1">
+                <a:latin typeface="Palatino Linotype"/>
+                <a:cs typeface="Calibri"/>
+              </a:rPr>
+              <a:t>Sutskever</a:t>
+            </a:r>
+            <a:r>
+              <a:rPr lang="en-US" sz="1600" dirty="0">
+                <a:latin typeface="Palatino Linotype"/>
+                <a:cs typeface="Calibri"/>
+              </a:rPr>
+              <a:t>, Ilya &amp; </a:t>
+            </a:r>
+            <a:r>
+              <a:rPr lang="en-US" sz="1600" err="1">
+                <a:latin typeface="Palatino Linotype"/>
+                <a:cs typeface="Calibri"/>
+              </a:rPr>
+              <a:t>Salakhutdinov</a:t>
+            </a:r>
+            <a:r>
+              <a:rPr lang="en-US" sz="1600" dirty="0">
+                <a:latin typeface="Palatino Linotype"/>
+                <a:cs typeface="Calibri"/>
+              </a:rPr>
+              <a:t>, Ruslan. (2014). Dropout: A</a:t>
+            </a:r>
+            <a:endParaRPr lang="en-US">
+              <a:latin typeface="Palatino Linotype"/>
+              <a:cs typeface="Calibri"/>
+            </a:endParaRPr>
+          </a:p>
+          <a:p>
+            <a:r>
+              <a:rPr lang="en-US" sz="1600" dirty="0">
+                <a:latin typeface="Palatino Linotype"/>
+                <a:cs typeface="Calibri"/>
+              </a:rPr>
+              <a:t>    simple way to prevent neural networks from overfitting. Journal of Machine Learning Research. 15. 1929-1958.</a:t>
+            </a:r>
+            <a:endParaRPr lang="en-US" dirty="0">
+              <a:latin typeface="Palatino Linotype"/>
+              <a:cs typeface="Calibri"/>
+            </a:endParaRPr>
+          </a:p>
+          <a:p>
+            <a:r>
+              <a:rPr lang="en-US" sz="1600" dirty="0">
+                <a:latin typeface="Palatino Linotype"/>
+                <a:cs typeface="Calibri"/>
+              </a:rPr>
+              <a:t>7) Dave, Vishwesh &amp; Shah, Kaivan. (2019). COMPARATIVE ANALYSIS OF REGULARIZATION TECHNIQUES IN</a:t>
+            </a:r>
+          </a:p>
+          <a:p>
+            <a:r>
+              <a:rPr lang="en-US" sz="1600" dirty="0">
+                <a:latin typeface="Palatino Linotype"/>
+                <a:cs typeface="Calibri"/>
+              </a:rPr>
+              <a:t>     ARTIFICIAL NEURAL NETWORKS. 10.1729/Journal.22756.</a:t>
+            </a:r>
+            <a:endParaRPr lang="en-US" sz="1600">
+              <a:latin typeface="Palatino Linotype"/>
+              <a:ea typeface="+mn-lt"/>
+              <a:cs typeface="+mn-lt"/>
+            </a:endParaRPr>
+          </a:p>
+          <a:p>
+            <a:r>
+              <a:rPr lang="en-US" sz="1600" dirty="0">
+                <a:latin typeface="Palatino Linotype"/>
+                <a:cs typeface="Calibri"/>
+              </a:rPr>
+              <a:t>8) </a:t>
+            </a:r>
+            <a:r>
+              <a:rPr lang="en-US" sz="1600" err="1">
+                <a:latin typeface="Palatino Linotype"/>
+                <a:cs typeface="Calibri"/>
+              </a:rPr>
+              <a:t>Basu</a:t>
+            </a:r>
+            <a:r>
+              <a:rPr lang="en-US" sz="1600" dirty="0">
+                <a:latin typeface="Palatino Linotype"/>
+                <a:cs typeface="Calibri"/>
+              </a:rPr>
+              <a:t>, Atreya &amp; Watters, Carolyn &amp; Author, Michael. (2003). Support Vector Machines for Text Categorization.. 103.</a:t>
+            </a:r>
+          </a:p>
+          <a:p>
+            <a:r>
+              <a:rPr lang="en-US" sz="1600" dirty="0">
+                <a:latin typeface="Palatino Linotype"/>
+                <a:cs typeface="Calibri"/>
+              </a:rPr>
+              <a:t>    10.1109/HICSS.2003.1174243.</a:t>
+            </a:r>
+            <a:endParaRPr lang="en-US" sz="1600" dirty="0">
+              <a:latin typeface="Palatino Linotype"/>
+              <a:ea typeface="+mn-lt"/>
+              <a:cs typeface="+mn-lt"/>
+            </a:endParaRPr>
+          </a:p>
+          <a:p>
+            <a:endParaRPr lang="en-US" sz="1600" dirty="0">
+              <a:latin typeface="Palatino Linotype"/>
+              <a:cs typeface="Calibri"/>
+            </a:endParaRPr>
           </a:p>
         </p:txBody>
       </p:sp>
     </p:spTree>
     <p:extLst>
       <p:ext uri="{BB962C8B-B14F-4D97-AF65-F5344CB8AC3E}">
-        <p14:creationId xmlns:p14="http://schemas.microsoft.com/office/powerpoint/2010/main" val="3526042095"/>
+        <p14:creationId xmlns:p14="http://schemas.microsoft.com/office/powerpoint/2010/main" val="3397233917"/>
       </p:ext>
     </p:extLst>
   </p:cSld>
@@ -9953,51 +11355,60 @@
           </a:bodyPr>
           <a:lstStyle/>
           <a:p>
-            <a:r>
-              <a:rPr lang="en-US" sz="1000" dirty="0">
+            <a:pPr marL="171450" indent="-171450">
+              <a:buFont typeface="Arial"/>
+              <a:buChar char="•"/>
+            </a:pPr>
+            <a:r>
+              <a:rPr lang="en-US" sz="1000" b="1" dirty="0">
                 <a:ea typeface="+mn-lt"/>
                 <a:cs typeface="+mn-lt"/>
               </a:rPr>
-              <a:t>1) “Deep learning-based feature engineering for stock price movement prediction” Wen Long, </a:t>
-            </a:r>
-            <a:r>
-              <a:rPr lang="en-US" sz="1000" dirty="0" err="1">
+              <a:t>Deep learning-based feature engineering for stock price movement prediction” Wen Long, </a:t>
+            </a:r>
+            <a:r>
+              <a:rPr lang="en-US" sz="1000" b="1" dirty="0" err="1">
                 <a:ea typeface="+mn-lt"/>
                 <a:cs typeface="+mn-lt"/>
               </a:rPr>
               <a:t>Zhichen</a:t>
             </a:r>
             <a:r>
-              <a:rPr lang="en-US" sz="1000" dirty="0">
+              <a:rPr lang="en-US" sz="1000" b="1" dirty="0">
                 <a:ea typeface="+mn-lt"/>
                 <a:cs typeface="+mn-lt"/>
               </a:rPr>
               <a:t> Lu, </a:t>
             </a:r>
             <a:r>
-              <a:rPr lang="en-US" sz="1000" dirty="0" err="1">
+              <a:rPr lang="en-US" sz="1000" b="1" dirty="0" err="1">
                 <a:ea typeface="+mn-lt"/>
                 <a:cs typeface="+mn-lt"/>
               </a:rPr>
               <a:t>Lingxiao</a:t>
             </a:r>
             <a:r>
-              <a:rPr lang="en-US" sz="1000" dirty="0">
+              <a:rPr lang="en-US" sz="1000" b="1" dirty="0">
                 <a:ea typeface="+mn-lt"/>
                 <a:cs typeface="+mn-lt"/>
               </a:rPr>
               <a:t> Cui.</a:t>
             </a:r>
-          </a:p>
-          <a:p>
-            <a:r>
-              <a:rPr lang="en-US" sz="1000" dirty="0">
+            <a:endParaRPr lang="en-US"/>
+          </a:p>
+          <a:p>
+            <a:pPr marL="171450" indent="-171450">
+              <a:buFont typeface="Arial"/>
+              <a:buChar char="•"/>
+            </a:pPr>
+            <a:r>
+              <a:rPr lang="en-US" sz="1000" b="1" dirty="0">
                 <a:ea typeface="+mn-lt"/>
                 <a:cs typeface="+mn-lt"/>
               </a:rPr>
-              <a:t>2) “Integrating the Digital Twin of the manufacturing system into a decision support system for improving the order management process”, Kunath, M., &amp; Winkler, H. </a:t>
-            </a:r>
-            <a:endParaRPr lang="en-US" sz="1000">
+              <a:t>Integrating the Digital Twin of the manufacturing system into a decision support system for improving the order management process”, Kunath, M., &amp; Winkler, H. </a:t>
+            </a:r>
+            <a:endParaRPr lang="en-US" sz="1000" b="1">
               <a:cs typeface="Calibri"/>
             </a:endParaRPr>
           </a:p>
@@ -10641,13 +12052,13 @@
             </p:nvSpPr>
             <p:spPr>
               <a:xfrm>
-                <a:off x="66561" y="2287885"/>
-                <a:ext cx="5655458" cy="3879437"/>
+                <a:off x="140007" y="2278705"/>
+                <a:ext cx="4645580" cy="2786933"/>
               </a:xfrm>
             </p:spPr>
             <p:txBody>
               <a:bodyPr>
-                <a:normAutofit/>
+                <a:normAutofit fontScale="85000" lnSpcReduction="10000"/>
               </a:bodyPr>
               <a:lstStyle/>
               <a:p>
@@ -10758,13 +12169,13 @@
             </p:nvSpPr>
             <p:spPr>
               <a:xfrm>
-                <a:off x="66561" y="2287885"/>
-                <a:ext cx="5655458" cy="3879437"/>
+                <a:off x="140007" y="2278705"/>
+                <a:ext cx="4645580" cy="2786933"/>
               </a:xfrm>
               <a:blipFill>
                 <a:blip r:embed="rId2"/>
                 <a:stretch>
-                  <a:fillRect l="-1509" t="-2198" r="-323"/>
+                  <a:fillRect l="-1181" t="-3282" b="-875"/>
                 </a:stretch>
               </a:blipFill>
             </p:spPr>
@@ -10891,6 +12302,105 @@
           </a:prstGeom>
         </p:spPr>
       </p:pic>
+      <p:sp>
+        <p:nvSpPr>
+          <p:cNvPr id="2" name="TextBox 1">
+            <a:extLst>
+              <a:ext uri="{FF2B5EF4-FFF2-40B4-BE49-F238E27FC236}">
+                <a16:creationId xmlns:a16="http://schemas.microsoft.com/office/drawing/2014/main" id="{251E9A52-174B-4544-9031-CE43F8BC1491}"/>
+              </a:ext>
+            </a:extLst>
+          </p:cNvPr>
+          <p:cNvSpPr txBox="1"/>
+          <p:nvPr/>
+        </p:nvSpPr>
+        <p:spPr>
+          <a:xfrm>
+            <a:off x="69773" y="5936254"/>
+            <a:ext cx="7177488" cy="400110"/>
+          </a:xfrm>
+          <a:prstGeom prst="rect">
+            <a:avLst/>
+          </a:prstGeom>
+          <a:noFill/>
+        </p:spPr>
+        <p:txBody>
+          <a:bodyPr rot="0" spcFirstLastPara="0" vertOverflow="overflow" horzOverflow="overflow" vert="horz" wrap="square" lIns="91440" tIns="45720" rIns="91440" bIns="45720" numCol="1" spcCol="0" rtlCol="0" fromWordArt="0" anchor="t" anchorCtr="0" forceAA="0" compatLnSpc="1">
+            <a:prstTxWarp prst="textNoShape">
+              <a:avLst/>
+            </a:prstTxWarp>
+            <a:spAutoFit/>
+          </a:bodyPr>
+          <a:lstStyle/>
+          <a:p>
+            <a:pPr marL="171450" indent="-171450">
+              <a:buFont typeface="Arial"/>
+              <a:buChar char="•"/>
+            </a:pPr>
+            <a:r>
+              <a:rPr lang="en-US" sz="1000" b="1" dirty="0">
+                <a:latin typeface="Palatino Linotype"/>
+                <a:ea typeface="+mn-lt"/>
+                <a:cs typeface="+mn-lt"/>
+              </a:rPr>
+              <a:t>A. B. Geva, "</a:t>
+            </a:r>
+            <a:r>
+              <a:rPr lang="en-US" sz="1000" b="1" dirty="0" err="1">
+                <a:latin typeface="Palatino Linotype"/>
+                <a:ea typeface="+mn-lt"/>
+                <a:cs typeface="+mn-lt"/>
+              </a:rPr>
+              <a:t>ScaleNet</a:t>
+            </a:r>
+            <a:r>
+              <a:rPr lang="en-US" sz="1000" b="1" dirty="0">
+                <a:latin typeface="Palatino Linotype"/>
+                <a:ea typeface="+mn-lt"/>
+                <a:cs typeface="+mn-lt"/>
+              </a:rPr>
+              <a:t>-multiscale neural-network architecture for time series prediction," in </a:t>
+            </a:r>
+            <a:r>
+              <a:rPr lang="en-US" sz="1000" b="1" i="1" dirty="0">
+                <a:latin typeface="Palatino Linotype"/>
+                <a:ea typeface="+mn-lt"/>
+                <a:cs typeface="+mn-lt"/>
+              </a:rPr>
+              <a:t>IEEE Transactions on Neural Networks</a:t>
+            </a:r>
+            <a:r>
+              <a:rPr lang="en-US" sz="1000" b="1" dirty="0">
+                <a:latin typeface="Palatino Linotype"/>
+                <a:ea typeface="+mn-lt"/>
+                <a:cs typeface="+mn-lt"/>
+              </a:rPr>
+              <a:t>, vol. 9, no. 6, pp. 1471-1482, Nov. 1998, </a:t>
+            </a:r>
+            <a:r>
+              <a:rPr lang="en-US" sz="1000" b="1" dirty="0" err="1">
+                <a:latin typeface="Palatino Linotype"/>
+                <a:ea typeface="+mn-lt"/>
+                <a:cs typeface="+mn-lt"/>
+              </a:rPr>
+              <a:t>doi</a:t>
+            </a:r>
+            <a:r>
+              <a:rPr lang="en-US" sz="1000" b="1" dirty="0">
+                <a:latin typeface="Palatino Linotype"/>
+                <a:ea typeface="+mn-lt"/>
+                <a:cs typeface="+mn-lt"/>
+              </a:rPr>
+              <a:t>: 10.1109/72.728396.</a:t>
+            </a:r>
+            <a:endParaRPr lang="en-US" b="1">
+              <a:latin typeface="Palatino Linotype"/>
+              <a:ea typeface="+mn-lt"/>
+              <a:cs typeface="+mn-lt"/>
+            </a:endParaRPr>
+          </a:p>
+        </p:txBody>
+      </p:sp>
     </p:spTree>
     <p:extLst>
       <p:ext uri="{BB962C8B-B14F-4D97-AF65-F5344CB8AC3E}">
@@ -10981,43 +12491,36 @@
           </a:xfrm>
         </p:spPr>
         <p:txBody>
-          <a:bodyPr/>
+          <a:bodyPr vert="horz" lIns="91440" tIns="45720" rIns="91440" bIns="45720" rtlCol="0" anchor="t">
+            <a:normAutofit/>
+          </a:bodyPr>
           <a:lstStyle/>
           <a:p>
             <a:r>
-              <a:rPr lang="en-US" dirty="0">
-                <a:latin typeface="Palatino Linotype" panose="02040502050505030304" pitchFamily="18" charset="0"/>
-              </a:rPr>
-              <a:t>Inputs are fed into an </a:t>
-            </a:r>
-            <a:r>
-              <a:rPr lang="en-US" dirty="0" err="1">
-                <a:latin typeface="Palatino Linotype" panose="02040502050505030304" pitchFamily="18" charset="0"/>
-              </a:rPr>
-              <a:t>SVM</a:t>
-            </a:r>
-            <a:r>
-              <a:rPr lang="en-US" dirty="0">
-                <a:latin typeface="Palatino Linotype" panose="02040502050505030304" pitchFamily="18" charset="0"/>
-              </a:rPr>
-              <a:t> for on/off classification</a:t>
-            </a:r>
-          </a:p>
-          <a:p>
-            <a:r>
-              <a:rPr lang="en-US" dirty="0">
-                <a:latin typeface="Palatino Linotype" panose="02040502050505030304" pitchFamily="18" charset="0"/>
+              <a:rPr lang="en-US" sz="2000" dirty="0">
+                <a:latin typeface="Palatino Linotype"/>
+              </a:rPr>
+              <a:t>Inputs are fed into an SVM for on/off classification</a:t>
+            </a:r>
+          </a:p>
+          <a:p>
+            <a:r>
+              <a:rPr lang="en-US" sz="2000" dirty="0">
+                <a:latin typeface="Palatino Linotype"/>
               </a:rPr>
               <a:t>Machine status off defaults the damage accumulation values to maximum likelihood of the data</a:t>
             </a:r>
           </a:p>
           <a:p>
             <a:r>
-              <a:rPr lang="en-US" dirty="0">
-                <a:latin typeface="Palatino Linotype" panose="02040502050505030304" pitchFamily="18" charset="0"/>
-              </a:rPr>
-              <a:t>Machine status on feeds the </a:t>
-            </a:r>
+              <a:rPr lang="en-US" sz="2000" dirty="0">
+                <a:latin typeface="Palatino Linotype"/>
+              </a:rPr>
+              <a:t>Machine status on feeds the </a:t>
+            </a:r>
+            <a:endParaRPr lang="en-US" sz="2000">
+              <a:latin typeface="Palatino Linotype" panose="02040502050505030304" pitchFamily="18" charset="0"/>
+            </a:endParaRPr>
           </a:p>
         </p:txBody>
       </p:sp>
@@ -11168,6 +12671,92 @@
           </p:txBody>
         </p:sp>
       </p:grpSp>
+      <p:sp>
+        <p:nvSpPr>
+          <p:cNvPr id="16" name="TextBox 15">
+            <a:extLst>
+              <a:ext uri="{FF2B5EF4-FFF2-40B4-BE49-F238E27FC236}">
+                <a16:creationId xmlns:a16="http://schemas.microsoft.com/office/drawing/2014/main" id="{4AB0F788-D250-476F-AC81-F5C030F1B5B1}"/>
+              </a:ext>
+            </a:extLst>
+          </p:cNvPr>
+          <p:cNvSpPr txBox="1"/>
+          <p:nvPr/>
+        </p:nvSpPr>
+        <p:spPr>
+          <a:xfrm>
+            <a:off x="-3672" y="5394591"/>
+            <a:ext cx="9160524" cy="861774"/>
+          </a:xfrm>
+          <a:prstGeom prst="rect">
+            <a:avLst/>
+          </a:prstGeom>
+          <a:noFill/>
+        </p:spPr>
+        <p:txBody>
+          <a:bodyPr rot="0" spcFirstLastPara="0" vertOverflow="overflow" horzOverflow="overflow" vert="horz" wrap="square" lIns="91440" tIns="45720" rIns="91440" bIns="45720" numCol="1" spcCol="0" rtlCol="0" fromWordArt="0" anchor="t" anchorCtr="0" forceAA="0" compatLnSpc="1">
+            <a:prstTxWarp prst="textNoShape">
+              <a:avLst/>
+            </a:prstTxWarp>
+            <a:spAutoFit/>
+          </a:bodyPr>
+          <a:lstStyle/>
+          <a:p>
+            <a:pPr marL="171450" indent="-171450">
+              <a:buFont typeface="Arial"/>
+              <a:buChar char="•"/>
+            </a:pPr>
+            <a:r>
+              <a:rPr lang="en-US" sz="1000" b="1" dirty="0">
+                <a:latin typeface="Palatino Linotype"/>
+                <a:ea typeface="+mn-lt"/>
+                <a:cs typeface="+mn-lt"/>
+              </a:rPr>
+              <a:t>Zhang Y. (2012) Support Vector Machine Classification Algorithm and Its Application. In: Liu C., Wang L., Yang A. (eds) Information Computing and Applications. ICICA 2012. Communications in Computer and Information Science, vol308. Springer, Berlin, Heidelberg.</a:t>
+            </a:r>
+          </a:p>
+          <a:p>
+            <a:pPr marL="171450" indent="-171450">
+              <a:buFont typeface="Arial"/>
+              <a:buChar char="•"/>
+            </a:pPr>
+            <a:r>
+              <a:rPr lang="en-US" sz="1000" b="1" dirty="0">
+                <a:latin typeface="Palatino Linotype"/>
+                <a:ea typeface="+mn-lt"/>
+                <a:cs typeface="+mn-lt"/>
+              </a:rPr>
+              <a:t>Dave, Vishwesh &amp; Shah, Kaivan. (2019). COMPARATIVE ANALYSIS OF REGULARIZATION TECHNIQUES IN ARTIFICIAL NEURAL NETWORKS. 10.1729/Journal.22756.</a:t>
+            </a:r>
+          </a:p>
+          <a:p>
+            <a:pPr marL="171450" indent="-171450">
+              <a:buFont typeface="Arial"/>
+              <a:buChar char="•"/>
+            </a:pPr>
+            <a:r>
+              <a:rPr lang="en-US" sz="1000" b="1" dirty="0" err="1">
+                <a:latin typeface="Palatino Linotype"/>
+                <a:ea typeface="+mn-lt"/>
+                <a:cs typeface="+mn-lt"/>
+              </a:rPr>
+              <a:t>Basu</a:t>
+            </a:r>
+            <a:r>
+              <a:rPr lang="en-US" sz="1000" b="1" dirty="0">
+                <a:latin typeface="Palatino Linotype"/>
+                <a:ea typeface="+mn-lt"/>
+                <a:cs typeface="+mn-lt"/>
+              </a:rPr>
+              <a:t>, Atreya &amp; Watters, Carolyn &amp; Author, Michael. (2003). Support Vector Machines for Text Categorization.. 103. 10.1109/HICSS.2003.1174243.</a:t>
+            </a:r>
+            <a:endParaRPr lang="en-US" sz="1000" b="1">
+              <a:latin typeface="Palatino Linotype"/>
+              <a:cs typeface="Calibri"/>
+            </a:endParaRPr>
+          </a:p>
+        </p:txBody>
+      </p:sp>
     </p:spTree>
     <p:extLst>
       <p:ext uri="{BB962C8B-B14F-4D97-AF65-F5344CB8AC3E}">
@@ -11265,8 +12854,8 @@
         </p:blipFill>
         <p:spPr>
           <a:xfrm>
-            <a:off x="5868487" y="1758734"/>
-            <a:ext cx="5618118" cy="4117388"/>
+            <a:off x="6336703" y="1492493"/>
+            <a:ext cx="5379421" cy="3346209"/>
           </a:xfrm>
         </p:spPr>
       </p:pic>
@@ -11294,7 +12883,7 @@
           </a:prstGeom>
         </p:spPr>
         <p:txBody>
-          <a:bodyPr vert="horz" lIns="91440" tIns="45720" rIns="91440" bIns="45720" rtlCol="0">
+          <a:bodyPr vert="horz" lIns="91440" tIns="45720" rIns="91440" bIns="45720" rtlCol="0" anchor="t">
             <a:normAutofit/>
           </a:bodyPr>
           <a:lstStyle>
@@ -11463,43 +13052,259 @@
           </a:lstStyle>
           <a:p>
             <a:r>
-              <a:rPr lang="en-US" dirty="0">
-                <a:latin typeface="Palatino Linotype" panose="02040502050505030304" pitchFamily="18" charset="0"/>
+              <a:rPr lang="en-US" sz="2000" dirty="0">
+                <a:latin typeface="Palatino Linotype"/>
               </a:rPr>
               <a:t>Network uses the full 11 inputs</a:t>
             </a:r>
           </a:p>
           <a:p>
             <a:r>
-              <a:rPr lang="en-US" dirty="0">
-                <a:latin typeface="Palatino Linotype" panose="02040502050505030304" pitchFamily="18" charset="0"/>
+              <a:rPr lang="en-US" sz="2000" dirty="0">
+                <a:latin typeface="Palatino Linotype"/>
               </a:rPr>
               <a:t>Hidden layer of 40 nodes</a:t>
             </a:r>
           </a:p>
           <a:p>
             <a:r>
-              <a:rPr lang="en-US" dirty="0">
-                <a:latin typeface="Palatino Linotype" panose="02040502050505030304" pitchFamily="18" charset="0"/>
+              <a:rPr lang="en-US" sz="2000" dirty="0">
+                <a:latin typeface="Palatino Linotype"/>
               </a:rPr>
               <a:t>3 Residual blocks</a:t>
             </a:r>
           </a:p>
           <a:p>
             <a:r>
-              <a:rPr lang="en-US" dirty="0">
-                <a:latin typeface="Palatino Linotype" panose="02040502050505030304" pitchFamily="18" charset="0"/>
+              <a:rPr lang="en-US" sz="2000" dirty="0">
+                <a:latin typeface="Palatino Linotype"/>
               </a:rPr>
               <a:t>Final hidden layer of 10 nodes</a:t>
             </a:r>
           </a:p>
           <a:p>
             <a:r>
-              <a:rPr lang="en-US" dirty="0">
-                <a:latin typeface="Palatino Linotype" panose="02040502050505030304" pitchFamily="18" charset="0"/>
-              </a:rPr>
-              <a:t>2 node output representing the damage accumulation </a:t>
-            </a:r>
+              <a:rPr lang="en-US" sz="2000" dirty="0">
+                <a:latin typeface="Palatino Linotype"/>
+              </a:rPr>
+              <a:t>2 node output representing the damage accumulation </a:t>
+            </a:r>
+            <a:endParaRPr lang="en-US" sz="2000">
+              <a:latin typeface="Palatino Linotype" panose="02040502050505030304" pitchFamily="18" charset="0"/>
+            </a:endParaRPr>
+          </a:p>
+        </p:txBody>
+      </p:sp>
+      <p:sp>
+        <p:nvSpPr>
+          <p:cNvPr id="2" name="TextBox 1">
+            <a:extLst>
+              <a:ext uri="{FF2B5EF4-FFF2-40B4-BE49-F238E27FC236}">
+                <a16:creationId xmlns:a16="http://schemas.microsoft.com/office/drawing/2014/main" id="{D7502FE4-D45C-4ECA-B417-A8F961341034}"/>
+              </a:ext>
+            </a:extLst>
+          </p:cNvPr>
+          <p:cNvSpPr txBox="1"/>
+          <p:nvPr/>
+        </p:nvSpPr>
+        <p:spPr>
+          <a:xfrm>
+            <a:off x="69773" y="5614929"/>
+            <a:ext cx="11400620" cy="861774"/>
+          </a:xfrm>
+          <a:prstGeom prst="rect">
+            <a:avLst/>
+          </a:prstGeom>
+          <a:noFill/>
+        </p:spPr>
+        <p:txBody>
+          <a:bodyPr rot="0" spcFirstLastPara="0" vertOverflow="overflow" horzOverflow="overflow" vert="horz" wrap="square" lIns="91440" tIns="45720" rIns="91440" bIns="45720" numCol="1" spcCol="0" rtlCol="0" fromWordArt="0" anchor="t" anchorCtr="0" forceAA="0" compatLnSpc="1">
+            <a:prstTxWarp prst="textNoShape">
+              <a:avLst/>
+            </a:prstTxWarp>
+            <a:spAutoFit/>
+          </a:bodyPr>
+          <a:lstStyle/>
+          <a:p>
+            <a:pPr marL="171450" indent="-171450">
+              <a:buFont typeface="Arial"/>
+              <a:buChar char="•"/>
+            </a:pPr>
+            <a:r>
+              <a:rPr lang="en-US" sz="1000" b="1" dirty="0">
+                <a:latin typeface="Palatino Linotype"/>
+                <a:ea typeface="+mn-lt"/>
+                <a:cs typeface="+mn-lt"/>
+              </a:rPr>
+              <a:t>He, Kai mi ng&amp; Zhang, Xi </a:t>
+            </a:r>
+            <a:r>
+              <a:rPr lang="en-US" sz="1000" b="1" dirty="0" err="1">
+                <a:latin typeface="Palatino Linotype"/>
+                <a:ea typeface="+mn-lt"/>
+                <a:cs typeface="+mn-lt"/>
+              </a:rPr>
+              <a:t>angyu</a:t>
+            </a:r>
+            <a:r>
+              <a:rPr lang="en-US" sz="1000" b="1" dirty="0">
+                <a:latin typeface="Palatino Linotype"/>
+                <a:ea typeface="+mn-lt"/>
+                <a:cs typeface="+mn-lt"/>
+              </a:rPr>
+              <a:t>&amp; Ren, Shaoqi ng&amp; Sun, Ji an. (2015). Deep </a:t>
+            </a:r>
+            <a:r>
+              <a:rPr lang="en-US" sz="1000" b="1">
+                <a:latin typeface="Palatino Linotype"/>
+                <a:ea typeface="+mn-lt"/>
+                <a:cs typeface="+mn-lt"/>
+              </a:rPr>
+              <a:t>Residual</a:t>
+            </a:r>
+            <a:r>
+              <a:rPr lang="en-US" sz="1000" b="1" dirty="0">
+                <a:latin typeface="Palatino Linotype"/>
+                <a:ea typeface="+mn-lt"/>
+                <a:cs typeface="+mn-lt"/>
+              </a:rPr>
+              <a:t> </a:t>
+            </a:r>
+            <a:r>
+              <a:rPr lang="en-US" sz="1000" b="1">
+                <a:latin typeface="Palatino Linotype"/>
+                <a:ea typeface="+mn-lt"/>
+                <a:cs typeface="+mn-lt"/>
+              </a:rPr>
+              <a:t>Learning</a:t>
+            </a:r>
+            <a:r>
+              <a:rPr lang="en-US" sz="1000" b="1" dirty="0">
+                <a:latin typeface="Palatino Linotype"/>
+                <a:ea typeface="+mn-lt"/>
+                <a:cs typeface="+mn-lt"/>
+              </a:rPr>
+              <a:t> for Image </a:t>
+            </a:r>
+            <a:r>
+              <a:rPr lang="en-US" sz="1000" b="1">
+                <a:latin typeface="Palatino Linotype"/>
+                <a:ea typeface="+mn-lt"/>
+                <a:cs typeface="+mn-lt"/>
+              </a:rPr>
+              <a:t>Recognition</a:t>
+            </a:r>
+            <a:r>
+              <a:rPr lang="en-US" sz="1000" b="1" dirty="0">
+                <a:latin typeface="Palatino Linotype"/>
+                <a:ea typeface="+mn-lt"/>
+                <a:cs typeface="+mn-lt"/>
+              </a:rPr>
+              <a:t>.</a:t>
+            </a:r>
+          </a:p>
+          <a:p>
+            <a:pPr marL="171450" indent="-171450">
+              <a:buFont typeface="Arial"/>
+              <a:buChar char="•"/>
+            </a:pPr>
+            <a:r>
+              <a:rPr lang="en-US" sz="1000" b="1" dirty="0">
+                <a:latin typeface="Palatino Linotype"/>
+                <a:ea typeface="+mn-lt"/>
+                <a:cs typeface="+mn-lt"/>
+              </a:rPr>
+              <a:t>Ioffe, Sergey &amp; Szegedy, Christian. (2015). Batch Normalization: Accelerating Deep Network Training by Reducing Internal Covariate Shift.</a:t>
+            </a:r>
+            <a:r>
+              <a:rPr lang="en-US" sz="1000" b="1" dirty="0">
+                <a:latin typeface="Palatino Linotype"/>
+                <a:ea typeface="+mn-lt"/>
+                <a:cs typeface="+mn-lt"/>
+                <a:hlinkClick r:id="rId3"/>
+              </a:rPr>
+              <a:t>5:51</a:t>
+            </a:r>
+            <a:endParaRPr lang="en-US" sz="1000" b="1">
+              <a:latin typeface="Palatino Linotype"/>
+              <a:cs typeface="Calibri"/>
+            </a:endParaRPr>
+          </a:p>
+          <a:p>
+            <a:pPr marL="171450" indent="-171450">
+              <a:buFont typeface="Arial"/>
+              <a:buChar char="•"/>
+            </a:pPr>
+            <a:r>
+              <a:rPr lang="en-US" sz="1000" b="1" dirty="0">
+                <a:latin typeface="Palatino Linotype"/>
+                <a:ea typeface="+mn-lt"/>
+                <a:cs typeface="+mn-lt"/>
+              </a:rPr>
+              <a:t>Srivastava, Nitish &amp; Hinton, Geoffrey &amp; </a:t>
+            </a:r>
+            <a:r>
+              <a:rPr lang="en-US" sz="1000" b="1" err="1">
+                <a:latin typeface="Palatino Linotype"/>
+                <a:ea typeface="+mn-lt"/>
+                <a:cs typeface="+mn-lt"/>
+              </a:rPr>
+              <a:t>Krizhevsky</a:t>
+            </a:r>
+            <a:r>
+              <a:rPr lang="en-US" sz="1000" b="1" dirty="0">
+                <a:latin typeface="Palatino Linotype"/>
+                <a:ea typeface="+mn-lt"/>
+                <a:cs typeface="+mn-lt"/>
+              </a:rPr>
+              <a:t>, Alex &amp; </a:t>
+            </a:r>
+            <a:r>
+              <a:rPr lang="en-US" sz="1000" b="1" err="1">
+                <a:latin typeface="Palatino Linotype"/>
+                <a:ea typeface="+mn-lt"/>
+                <a:cs typeface="+mn-lt"/>
+              </a:rPr>
+              <a:t>Sutskever</a:t>
+            </a:r>
+            <a:r>
+              <a:rPr lang="en-US" sz="1000" b="1" dirty="0">
+                <a:latin typeface="Palatino Linotype"/>
+                <a:ea typeface="+mn-lt"/>
+                <a:cs typeface="+mn-lt"/>
+              </a:rPr>
+              <a:t>, Ilya &amp; </a:t>
+            </a:r>
+            <a:r>
+              <a:rPr lang="en-US" sz="1000" b="1" err="1">
+                <a:latin typeface="Palatino Linotype"/>
+                <a:ea typeface="+mn-lt"/>
+                <a:cs typeface="+mn-lt"/>
+              </a:rPr>
+              <a:t>Salakhutdinov</a:t>
+            </a:r>
+            <a:r>
+              <a:rPr lang="en-US" sz="1000" b="1" dirty="0">
+                <a:latin typeface="Palatino Linotype"/>
+                <a:ea typeface="+mn-lt"/>
+                <a:cs typeface="+mn-lt"/>
+              </a:rPr>
+              <a:t>, Ruslan. (2014). Dropout: A Simple Way to Prevent Neural Networks from Overfitting. Journal of Machine Learning Research. 15. 1929-1958.</a:t>
+            </a:r>
+            <a:endParaRPr lang="en-US" b="1">
+              <a:latin typeface="Palatino Linotype"/>
+              <a:cs typeface="Calibri" panose="020F0502020204030204"/>
+            </a:endParaRPr>
+          </a:p>
+          <a:p>
+            <a:pPr marL="171450" indent="-171450">
+              <a:buFont typeface="Arial"/>
+              <a:buChar char="•"/>
+            </a:pPr>
+            <a:endParaRPr lang="en-US" sz="1000" b="1" dirty="0">
+              <a:latin typeface="Palatino Linotype"/>
+              <a:cs typeface="Calibri"/>
+            </a:endParaRPr>
           </a:p>
         </p:txBody>
       </p:sp>
